--- a/slides/mlps/templates/singlelay_6.pptx
+++ b/slides/mlps/templates/singlelay_6.pptx
@@ -107,6 +107,11 @@
       </a:defRPr>
     </a:lvl9pPr>
   </p:defaultTextStyle>
+  <p:extLst>
+    <p:ext uri="{EFAFB233-063F-42B5-8137-9DF3F51BA10A}">
+      <p15:sldGuideLst xmlns:p15="http://schemas.microsoft.com/office/powerpoint/2012/main"/>
+    </p:ext>
+  </p:extLst>
 </p:presentation>
 </file>
 
@@ -192,7 +197,7 @@
           <a:p>
             <a:fld id="{97F00C43-5E0A-4845-AA32-796444067DC1}" type="datetimeFigureOut">
               <a:rPr lang="en-DE" smtClean="0"/>
-              <a:t>17.01.21</a:t>
+              <a:t>05.03.21</a:t>
             </a:fld>
             <a:endParaRPr lang="en-DE"/>
           </a:p>
@@ -718,7 +723,7 @@
           <a:p>
             <a:fld id="{415FD132-F927-4A42-8D82-2F3EB5A01414}" type="datetimeFigureOut">
               <a:rPr lang="en-DE" smtClean="0"/>
-              <a:t>17.01.21</a:t>
+              <a:t>05.03.21</a:t>
             </a:fld>
             <a:endParaRPr lang="en-DE"/>
           </a:p>
@@ -918,7 +923,7 @@
           <a:p>
             <a:fld id="{415FD132-F927-4A42-8D82-2F3EB5A01414}" type="datetimeFigureOut">
               <a:rPr lang="en-DE" smtClean="0"/>
-              <a:t>17.01.21</a:t>
+              <a:t>05.03.21</a:t>
             </a:fld>
             <a:endParaRPr lang="en-DE"/>
           </a:p>
@@ -1128,7 +1133,7 @@
           <a:p>
             <a:fld id="{415FD132-F927-4A42-8D82-2F3EB5A01414}" type="datetimeFigureOut">
               <a:rPr lang="en-DE" smtClean="0"/>
-              <a:t>17.01.21</a:t>
+              <a:t>05.03.21</a:t>
             </a:fld>
             <a:endParaRPr lang="en-DE"/>
           </a:p>
@@ -1687,7 +1692,7 @@
           <a:p>
             <a:fld id="{415FD132-F927-4A42-8D82-2F3EB5A01414}" type="datetimeFigureOut">
               <a:rPr lang="en-DE" smtClean="0"/>
-              <a:t>17.01.21</a:t>
+              <a:t>05.03.21</a:t>
             </a:fld>
             <a:endParaRPr lang="en-DE"/>
           </a:p>
@@ -1963,7 +1968,7 @@
           <a:p>
             <a:fld id="{415FD132-F927-4A42-8D82-2F3EB5A01414}" type="datetimeFigureOut">
               <a:rPr lang="en-DE" smtClean="0"/>
-              <a:t>17.01.21</a:t>
+              <a:t>05.03.21</a:t>
             </a:fld>
             <a:endParaRPr lang="en-DE"/>
           </a:p>
@@ -2231,7 +2236,7 @@
           <a:p>
             <a:fld id="{415FD132-F927-4A42-8D82-2F3EB5A01414}" type="datetimeFigureOut">
               <a:rPr lang="en-DE" smtClean="0"/>
-              <a:t>17.01.21</a:t>
+              <a:t>05.03.21</a:t>
             </a:fld>
             <a:endParaRPr lang="en-DE"/>
           </a:p>
@@ -2646,7 +2651,7 @@
           <a:p>
             <a:fld id="{415FD132-F927-4A42-8D82-2F3EB5A01414}" type="datetimeFigureOut">
               <a:rPr lang="en-DE" smtClean="0"/>
-              <a:t>17.01.21</a:t>
+              <a:t>05.03.21</a:t>
             </a:fld>
             <a:endParaRPr lang="en-DE"/>
           </a:p>
@@ -2788,7 +2793,7 @@
           <a:p>
             <a:fld id="{415FD132-F927-4A42-8D82-2F3EB5A01414}" type="datetimeFigureOut">
               <a:rPr lang="en-DE" smtClean="0"/>
-              <a:t>17.01.21</a:t>
+              <a:t>05.03.21</a:t>
             </a:fld>
             <a:endParaRPr lang="en-DE"/>
           </a:p>
@@ -2901,7 +2906,7 @@
           <a:p>
             <a:fld id="{415FD132-F927-4A42-8D82-2F3EB5A01414}" type="datetimeFigureOut">
               <a:rPr lang="en-DE" smtClean="0"/>
-              <a:t>17.01.21</a:t>
+              <a:t>05.03.21</a:t>
             </a:fld>
             <a:endParaRPr lang="en-DE"/>
           </a:p>
@@ -3214,7 +3219,7 @@
           <a:p>
             <a:fld id="{415FD132-F927-4A42-8D82-2F3EB5A01414}" type="datetimeFigureOut">
               <a:rPr lang="en-DE" smtClean="0"/>
-              <a:t>17.01.21</a:t>
+              <a:t>05.03.21</a:t>
             </a:fld>
             <a:endParaRPr lang="en-DE"/>
           </a:p>
@@ -3503,7 +3508,7 @@
           <a:p>
             <a:fld id="{415FD132-F927-4A42-8D82-2F3EB5A01414}" type="datetimeFigureOut">
               <a:rPr lang="en-DE" smtClean="0"/>
-              <a:t>17.01.21</a:t>
+              <a:t>05.03.21</a:t>
             </a:fld>
             <a:endParaRPr lang="en-DE"/>
           </a:p>
@@ -3746,7 +3751,7 @@
           <a:p>
             <a:fld id="{415FD132-F927-4A42-8D82-2F3EB5A01414}" type="datetimeFigureOut">
               <a:rPr lang="en-DE" smtClean="0"/>
-              <a:t>17.01.21</a:t>
+              <a:t>05.03.21</a:t>
             </a:fld>
             <a:endParaRPr lang="en-DE"/>
           </a:p>
@@ -4166,10 +4171,10 @@
       </p:grpSpPr>
       <p:grpSp>
         <p:nvGrpSpPr>
-          <p:cNvPr id="4" name="Group 3">
-            <a:extLst>
-              <a:ext uri="{FF2B5EF4-FFF2-40B4-BE49-F238E27FC236}">
-                <a16:creationId xmlns:a16="http://schemas.microsoft.com/office/drawing/2014/main" id="{C5594280-EC32-D54B-AD53-091363CEA918}"/>
+          <p:cNvPr id="2" name="Group 1">
+            <a:extLst>
+              <a:ext uri="{FF2B5EF4-FFF2-40B4-BE49-F238E27FC236}">
+                <a16:creationId xmlns:a16="http://schemas.microsoft.com/office/drawing/2014/main" id="{7845F014-0C1C-8549-BF71-8E064D08127E}"/>
               </a:ext>
             </a:extLst>
           </p:cNvPr>
@@ -4179,47 +4184,137 @@
         <p:grpSpPr>
           <a:xfrm>
             <a:off x="2560467" y="585601"/>
-            <a:ext cx="7071067" cy="5482579"/>
-            <a:chOff x="1920350" y="439200"/>
-            <a:chExt cx="5303300" cy="4111934"/>
+            <a:ext cx="7071067" cy="4521460"/>
+            <a:chOff x="1920350" y="995560"/>
+            <a:chExt cx="5303300" cy="3391095"/>
           </a:xfrm>
         </p:grpSpPr>
+        <p:sp>
+          <p:nvSpPr>
+            <p:cNvPr id="137" name="Google Shape;137;p16"/>
+            <p:cNvSpPr/>
+            <p:nvPr/>
+          </p:nvSpPr>
+          <p:spPr>
+            <a:xfrm>
+              <a:off x="2050850" y="2007344"/>
+              <a:ext cx="600600" cy="600600"/>
+            </a:xfrm>
+            <a:prstGeom prst="ellipse">
+              <a:avLst/>
+            </a:prstGeom>
+            <a:solidFill>
+              <a:srgbClr val="ECCC24"/>
+            </a:solidFill>
+            <a:ln>
+              <a:noFill/>
+            </a:ln>
+          </p:spPr>
+          <p:txBody>
+            <a:bodyPr spcFirstLastPara="1" wrap="square" lIns="121900" tIns="121900" rIns="121900" bIns="121900" anchor="ctr" anchorCtr="0">
+              <a:noAutofit/>
+            </a:bodyPr>
+            <a:lstStyle/>
+            <a:p>
+              <a:endParaRPr sz="2400"/>
+            </a:p>
+          </p:txBody>
+        </p:sp>
+        <p:sp>
+          <p:nvSpPr>
+            <p:cNvPr id="138" name="Google Shape;138;p16"/>
+            <p:cNvSpPr/>
+            <p:nvPr/>
+          </p:nvSpPr>
+          <p:spPr>
+            <a:xfrm>
+              <a:off x="2050850" y="2725844"/>
+              <a:ext cx="600600" cy="600600"/>
+            </a:xfrm>
+            <a:prstGeom prst="ellipse">
+              <a:avLst/>
+            </a:prstGeom>
+            <a:solidFill>
+              <a:srgbClr val="ECCC24"/>
+            </a:solidFill>
+            <a:ln>
+              <a:noFill/>
+            </a:ln>
+          </p:spPr>
+          <p:txBody>
+            <a:bodyPr spcFirstLastPara="1" wrap="square" lIns="121900" tIns="121900" rIns="121900" bIns="121900" anchor="ctr" anchorCtr="0">
+              <a:noAutofit/>
+            </a:bodyPr>
+            <a:lstStyle/>
+            <a:p>
+              <a:endParaRPr sz="2400"/>
+            </a:p>
+          </p:txBody>
+        </p:sp>
+        <p:sp>
+          <p:nvSpPr>
+            <p:cNvPr id="139" name="Google Shape;139;p16"/>
+            <p:cNvSpPr/>
+            <p:nvPr/>
+          </p:nvSpPr>
+          <p:spPr>
+            <a:xfrm>
+              <a:off x="2050850" y="3444344"/>
+              <a:ext cx="600600" cy="600600"/>
+            </a:xfrm>
+            <a:prstGeom prst="ellipse">
+              <a:avLst/>
+            </a:prstGeom>
+            <a:solidFill>
+              <a:srgbClr val="ECCC24"/>
+            </a:solidFill>
+            <a:ln>
+              <a:noFill/>
+            </a:ln>
+          </p:spPr>
+          <p:txBody>
+            <a:bodyPr spcFirstLastPara="1" wrap="square" lIns="121900" tIns="121900" rIns="121900" bIns="121900" anchor="ctr" anchorCtr="0">
+              <a:noAutofit/>
+            </a:bodyPr>
+            <a:lstStyle/>
+            <a:p>
+              <a:endParaRPr sz="2400"/>
+            </a:p>
+          </p:txBody>
+        </p:sp>
         <p:grpSp>
           <p:nvGrpSpPr>
-            <p:cNvPr id="2" name="Group 1">
-              <a:extLst>
-                <a:ext uri="{FF2B5EF4-FFF2-40B4-BE49-F238E27FC236}">
-                  <a16:creationId xmlns:a16="http://schemas.microsoft.com/office/drawing/2014/main" id="{7845F014-0C1C-8549-BF71-8E064D08127E}"/>
-                </a:ext>
-              </a:extLst>
-            </p:cNvPr>
+            <p:cNvPr id="140" name="Google Shape;140;p16"/>
             <p:cNvGrpSpPr/>
             <p:nvPr/>
           </p:nvGrpSpPr>
           <p:grpSpPr>
             <a:xfrm>
-              <a:off x="1920350" y="439200"/>
-              <a:ext cx="5303300" cy="3391095"/>
-              <a:chOff x="1920350" y="995560"/>
-              <a:chExt cx="5303300" cy="3391095"/>
+              <a:off x="4273431" y="1556701"/>
+              <a:ext cx="600569" cy="600579"/>
+              <a:chOff x="4861200" y="959925"/>
+              <a:chExt cx="689200" cy="688500"/>
             </a:xfrm>
           </p:grpSpPr>
           <p:sp>
             <p:nvSpPr>
-              <p:cNvPr id="137" name="Google Shape;137;p16"/>
+              <p:cNvPr id="141" name="Google Shape;141;p16"/>
               <p:cNvSpPr/>
               <p:nvPr/>
             </p:nvSpPr>
             <p:spPr>
               <a:xfrm>
-                <a:off x="2050850" y="2007344"/>
-                <a:ext cx="600600" cy="600600"/>
+                <a:off x="4861200" y="959925"/>
+                <a:ext cx="689100" cy="688500"/>
               </a:xfrm>
-              <a:prstGeom prst="ellipse">
-                <a:avLst/>
+              <a:prstGeom prst="pie">
+                <a:avLst>
+                  <a:gd name="adj1" fmla="val 5396744"/>
+                  <a:gd name="adj2" fmla="val 16200000"/>
+                </a:avLst>
               </a:prstGeom>
               <a:solidFill>
-                <a:srgbClr val="ECCC24"/>
+                <a:srgbClr val="A2C4C9"/>
               </a:solidFill>
               <a:ln>
                 <a:noFill/>
@@ -4237,20 +4332,72 @@
           </p:sp>
           <p:sp>
             <p:nvSpPr>
-              <p:cNvPr id="138" name="Google Shape;138;p16"/>
+              <p:cNvPr id="142" name="Google Shape;142;p16"/>
+              <p:cNvSpPr/>
+              <p:nvPr/>
+            </p:nvSpPr>
+            <p:spPr>
+              <a:xfrm rot="10800000">
+                <a:off x="4861300" y="959925"/>
+                <a:ext cx="689100" cy="688500"/>
+              </a:xfrm>
+              <a:prstGeom prst="pie">
+                <a:avLst>
+                  <a:gd name="adj1" fmla="val 5396744"/>
+                  <a:gd name="adj2" fmla="val 16200000"/>
+                </a:avLst>
+              </a:prstGeom>
+              <a:solidFill>
+                <a:srgbClr val="45818E"/>
+              </a:solidFill>
+              <a:ln>
+                <a:noFill/>
+              </a:ln>
+            </p:spPr>
+            <p:txBody>
+              <a:bodyPr spcFirstLastPara="1" wrap="square" lIns="121900" tIns="121900" rIns="121900" bIns="121900" anchor="ctr" anchorCtr="0">
+                <a:noAutofit/>
+              </a:bodyPr>
+              <a:lstStyle/>
+              <a:p>
+                <a:endParaRPr sz="2400"/>
+              </a:p>
+            </p:txBody>
+          </p:sp>
+        </p:grpSp>
+        <p:grpSp>
+          <p:nvGrpSpPr>
+            <p:cNvPr id="143" name="Google Shape;143;p16"/>
+            <p:cNvGrpSpPr/>
+            <p:nvPr/>
+          </p:nvGrpSpPr>
+          <p:grpSpPr>
+            <a:xfrm>
+              <a:off x="4273431" y="2299826"/>
+              <a:ext cx="600569" cy="600579"/>
+              <a:chOff x="4861200" y="959925"/>
+              <a:chExt cx="689200" cy="688500"/>
+            </a:xfrm>
+          </p:grpSpPr>
+          <p:sp>
+            <p:nvSpPr>
+              <p:cNvPr id="144" name="Google Shape;144;p16"/>
               <p:cNvSpPr/>
               <p:nvPr/>
             </p:nvSpPr>
             <p:spPr>
               <a:xfrm>
-                <a:off x="2050850" y="2725844"/>
-                <a:ext cx="600600" cy="600600"/>
+                <a:off x="4861200" y="959925"/>
+                <a:ext cx="689100" cy="688500"/>
               </a:xfrm>
-              <a:prstGeom prst="ellipse">
-                <a:avLst/>
+              <a:prstGeom prst="pie">
+                <a:avLst>
+                  <a:gd name="adj1" fmla="val 5396744"/>
+                  <a:gd name="adj2" fmla="val 16200000"/>
+                </a:avLst>
               </a:prstGeom>
               <a:solidFill>
-                <a:srgbClr val="ECCC24"/>
+                <a:srgbClr val="A2C4C9"/>
               </a:solidFill>
               <a:ln>
                 <a:noFill/>
@@ -4268,20 +4415,23 @@
           </p:sp>
           <p:sp>
             <p:nvSpPr>
-              <p:cNvPr id="139" name="Google Shape;139;p16"/>
+              <p:cNvPr id="145" name="Google Shape;145;p16"/>
               <p:cNvSpPr/>
               <p:nvPr/>
             </p:nvSpPr>
             <p:spPr>
-              <a:xfrm>
-                <a:off x="2050850" y="3444344"/>
-                <a:ext cx="600600" cy="600600"/>
+              <a:xfrm rot="10800000">
+                <a:off x="4861300" y="959925"/>
+                <a:ext cx="689100" cy="688500"/>
               </a:xfrm>
-              <a:prstGeom prst="ellipse">
-                <a:avLst/>
+              <a:prstGeom prst="pie">
+                <a:avLst>
+                  <a:gd name="adj1" fmla="val 5396744"/>
+                  <a:gd name="adj2" fmla="val 16200000"/>
+                </a:avLst>
               </a:prstGeom>
               <a:solidFill>
-                <a:srgbClr val="ECCC24"/>
+                <a:srgbClr val="45818E"/>
               </a:solidFill>
               <a:ln>
                 <a:noFill/>
@@ -4297,1709 +4447,1231 @@
               </a:p>
             </p:txBody>
           </p:sp>
-          <p:grpSp>
-            <p:nvGrpSpPr>
-              <p:cNvPr id="140" name="Google Shape;140;p16"/>
-              <p:cNvGrpSpPr/>
+        </p:grpSp>
+        <p:grpSp>
+          <p:nvGrpSpPr>
+            <p:cNvPr id="146" name="Google Shape;146;p16"/>
+            <p:cNvGrpSpPr/>
+            <p:nvPr/>
+          </p:nvGrpSpPr>
+          <p:grpSpPr>
+            <a:xfrm>
+              <a:off x="4273431" y="3042951"/>
+              <a:ext cx="600569" cy="600579"/>
+              <a:chOff x="4861200" y="959925"/>
+              <a:chExt cx="689200" cy="688500"/>
+            </a:xfrm>
+          </p:grpSpPr>
+          <p:sp>
+            <p:nvSpPr>
+              <p:cNvPr id="147" name="Google Shape;147;p16"/>
+              <p:cNvSpPr/>
               <p:nvPr/>
-            </p:nvGrpSpPr>
-            <p:grpSpPr>
+            </p:nvSpPr>
+            <p:spPr>
               <a:xfrm>
-                <a:off x="4273431" y="1556701"/>
-                <a:ext cx="600569" cy="600579"/>
-                <a:chOff x="4861200" y="959925"/>
-                <a:chExt cx="689200" cy="688500"/>
+                <a:off x="4861200" y="959925"/>
+                <a:ext cx="689100" cy="688500"/>
               </a:xfrm>
-            </p:grpSpPr>
-            <p:sp>
-              <p:nvSpPr>
-                <p:cNvPr id="141" name="Google Shape;141;p16"/>
-                <p:cNvSpPr/>
-                <p:nvPr/>
-              </p:nvSpPr>
-              <p:spPr>
-                <a:xfrm>
-                  <a:off x="4861200" y="959925"/>
-                  <a:ext cx="689100" cy="688500"/>
-                </a:xfrm>
-                <a:prstGeom prst="pie">
-                  <a:avLst>
-                    <a:gd name="adj1" fmla="val 5396744"/>
-                    <a:gd name="adj2" fmla="val 16200000"/>
-                  </a:avLst>
-                </a:prstGeom>
-                <a:solidFill>
-                  <a:srgbClr val="A2C4C9"/>
-                </a:solidFill>
-                <a:ln>
-                  <a:noFill/>
-                </a:ln>
-              </p:spPr>
-              <p:txBody>
-                <a:bodyPr spcFirstLastPara="1" wrap="square" lIns="121900" tIns="121900" rIns="121900" bIns="121900" anchor="ctr" anchorCtr="0">
-                  <a:noAutofit/>
-                </a:bodyPr>
-                <a:lstStyle/>
-                <a:p>
-                  <a:endParaRPr sz="2400"/>
-                </a:p>
-              </p:txBody>
-            </p:sp>
-            <p:sp>
-              <p:nvSpPr>
-                <p:cNvPr id="142" name="Google Shape;142;p16"/>
-                <p:cNvSpPr/>
-                <p:nvPr/>
-              </p:nvSpPr>
-              <p:spPr>
-                <a:xfrm rot="10800000">
-                  <a:off x="4861300" y="959925"/>
-                  <a:ext cx="689100" cy="688500"/>
-                </a:xfrm>
-                <a:prstGeom prst="pie">
-                  <a:avLst>
-                    <a:gd name="adj1" fmla="val 5396744"/>
-                    <a:gd name="adj2" fmla="val 16200000"/>
-                  </a:avLst>
-                </a:prstGeom>
-                <a:solidFill>
-                  <a:srgbClr val="45818E"/>
-                </a:solidFill>
-                <a:ln>
-                  <a:noFill/>
-                </a:ln>
-              </p:spPr>
-              <p:txBody>
-                <a:bodyPr spcFirstLastPara="1" wrap="square" lIns="121900" tIns="121900" rIns="121900" bIns="121900" anchor="ctr" anchorCtr="0">
-                  <a:noAutofit/>
-                </a:bodyPr>
-                <a:lstStyle/>
-                <a:p>
-                  <a:endParaRPr sz="2400"/>
-                </a:p>
-              </p:txBody>
-            </p:sp>
-          </p:grpSp>
-          <p:grpSp>
-            <p:nvGrpSpPr>
-              <p:cNvPr id="143" name="Google Shape;143;p16"/>
-              <p:cNvGrpSpPr/>
+              <a:prstGeom prst="pie">
+                <a:avLst>
+                  <a:gd name="adj1" fmla="val 5396744"/>
+                  <a:gd name="adj2" fmla="val 16200000"/>
+                </a:avLst>
+              </a:prstGeom>
+              <a:solidFill>
+                <a:srgbClr val="A2C4C9"/>
+              </a:solidFill>
+              <a:ln>
+                <a:noFill/>
+              </a:ln>
+            </p:spPr>
+            <p:txBody>
+              <a:bodyPr spcFirstLastPara="1" wrap="square" lIns="121900" tIns="121900" rIns="121900" bIns="121900" anchor="ctr" anchorCtr="0">
+                <a:noAutofit/>
+              </a:bodyPr>
+              <a:lstStyle/>
+              <a:p>
+                <a:endParaRPr sz="2400"/>
+              </a:p>
+            </p:txBody>
+          </p:sp>
+          <p:sp>
+            <p:nvSpPr>
+              <p:cNvPr id="148" name="Google Shape;148;p16"/>
+              <p:cNvSpPr/>
               <p:nvPr/>
-            </p:nvGrpSpPr>
-            <p:grpSpPr>
+            </p:nvSpPr>
+            <p:spPr>
+              <a:xfrm rot="10800000">
+                <a:off x="4861300" y="959925"/>
+                <a:ext cx="689100" cy="688500"/>
+              </a:xfrm>
+              <a:prstGeom prst="pie">
+                <a:avLst>
+                  <a:gd name="adj1" fmla="val 5396744"/>
+                  <a:gd name="adj2" fmla="val 16200000"/>
+                </a:avLst>
+              </a:prstGeom>
+              <a:solidFill>
+                <a:srgbClr val="45818E"/>
+              </a:solidFill>
+              <a:ln>
+                <a:noFill/>
+              </a:ln>
+            </p:spPr>
+            <p:txBody>
+              <a:bodyPr spcFirstLastPara="1" wrap="square" lIns="121900" tIns="121900" rIns="121900" bIns="121900" anchor="ctr" anchorCtr="0">
+                <a:noAutofit/>
+              </a:bodyPr>
+              <a:lstStyle/>
+              <a:p>
+                <a:endParaRPr sz="2400"/>
+              </a:p>
+            </p:txBody>
+          </p:sp>
+        </p:grpSp>
+        <p:grpSp>
+          <p:nvGrpSpPr>
+            <p:cNvPr id="149" name="Google Shape;149;p16"/>
+            <p:cNvGrpSpPr/>
+            <p:nvPr/>
+          </p:nvGrpSpPr>
+          <p:grpSpPr>
+            <a:xfrm>
+              <a:off x="4273431" y="3786076"/>
+              <a:ext cx="600569" cy="600579"/>
+              <a:chOff x="4861200" y="959925"/>
+              <a:chExt cx="689200" cy="688500"/>
+            </a:xfrm>
+          </p:grpSpPr>
+          <p:sp>
+            <p:nvSpPr>
+              <p:cNvPr id="150" name="Google Shape;150;p16"/>
+              <p:cNvSpPr/>
+              <p:nvPr/>
+            </p:nvSpPr>
+            <p:spPr>
               <a:xfrm>
-                <a:off x="4273431" y="2299826"/>
-                <a:ext cx="600569" cy="600579"/>
-                <a:chOff x="4861200" y="959925"/>
-                <a:chExt cx="689200" cy="688500"/>
+                <a:off x="4861200" y="959925"/>
+                <a:ext cx="689100" cy="688500"/>
               </a:xfrm>
-            </p:grpSpPr>
-            <p:sp>
-              <p:nvSpPr>
-                <p:cNvPr id="144" name="Google Shape;144;p16"/>
-                <p:cNvSpPr/>
-                <p:nvPr/>
-              </p:nvSpPr>
-              <p:spPr>
-                <a:xfrm>
-                  <a:off x="4861200" y="959925"/>
-                  <a:ext cx="689100" cy="688500"/>
-                </a:xfrm>
-                <a:prstGeom prst="pie">
-                  <a:avLst>
-                    <a:gd name="adj1" fmla="val 5396744"/>
-                    <a:gd name="adj2" fmla="val 16200000"/>
-                  </a:avLst>
-                </a:prstGeom>
-                <a:solidFill>
-                  <a:srgbClr val="A2C4C9"/>
-                </a:solidFill>
-                <a:ln>
-                  <a:noFill/>
-                </a:ln>
-              </p:spPr>
-              <p:txBody>
-                <a:bodyPr spcFirstLastPara="1" wrap="square" lIns="121900" tIns="121900" rIns="121900" bIns="121900" anchor="ctr" anchorCtr="0">
-                  <a:noAutofit/>
-                </a:bodyPr>
-                <a:lstStyle/>
-                <a:p>
-                  <a:endParaRPr sz="2400"/>
-                </a:p>
-              </p:txBody>
-            </p:sp>
-            <p:sp>
-              <p:nvSpPr>
-                <p:cNvPr id="145" name="Google Shape;145;p16"/>
-                <p:cNvSpPr/>
-                <p:nvPr/>
-              </p:nvSpPr>
-              <p:spPr>
-                <a:xfrm rot="10800000">
-                  <a:off x="4861300" y="959925"/>
-                  <a:ext cx="689100" cy="688500"/>
-                </a:xfrm>
-                <a:prstGeom prst="pie">
-                  <a:avLst>
-                    <a:gd name="adj1" fmla="val 5396744"/>
-                    <a:gd name="adj2" fmla="val 16200000"/>
-                  </a:avLst>
-                </a:prstGeom>
-                <a:solidFill>
-                  <a:srgbClr val="45818E"/>
-                </a:solidFill>
-                <a:ln>
-                  <a:noFill/>
-                </a:ln>
-              </p:spPr>
-              <p:txBody>
-                <a:bodyPr spcFirstLastPara="1" wrap="square" lIns="121900" tIns="121900" rIns="121900" bIns="121900" anchor="ctr" anchorCtr="0">
-                  <a:noAutofit/>
-                </a:bodyPr>
-                <a:lstStyle/>
-                <a:p>
-                  <a:endParaRPr sz="2400"/>
-                </a:p>
-              </p:txBody>
-            </p:sp>
-          </p:grpSp>
-          <p:grpSp>
-            <p:nvGrpSpPr>
-              <p:cNvPr id="146" name="Google Shape;146;p16"/>
-              <p:cNvGrpSpPr/>
+              <a:prstGeom prst="pie">
+                <a:avLst>
+                  <a:gd name="adj1" fmla="val 5396744"/>
+                  <a:gd name="adj2" fmla="val 16200000"/>
+                </a:avLst>
+              </a:prstGeom>
+              <a:solidFill>
+                <a:srgbClr val="A2C4C9"/>
+              </a:solidFill>
+              <a:ln>
+                <a:noFill/>
+              </a:ln>
+            </p:spPr>
+            <p:txBody>
+              <a:bodyPr spcFirstLastPara="1" wrap="square" lIns="121900" tIns="121900" rIns="121900" bIns="121900" anchor="ctr" anchorCtr="0">
+                <a:noAutofit/>
+              </a:bodyPr>
+              <a:lstStyle/>
+              <a:p>
+                <a:endParaRPr sz="2400"/>
+              </a:p>
+            </p:txBody>
+          </p:sp>
+          <p:sp>
+            <p:nvSpPr>
+              <p:cNvPr id="151" name="Google Shape;151;p16"/>
+              <p:cNvSpPr/>
               <p:nvPr/>
-            </p:nvGrpSpPr>
-            <p:grpSpPr>
+            </p:nvSpPr>
+            <p:spPr>
+              <a:xfrm rot="10800000">
+                <a:off x="4861300" y="959925"/>
+                <a:ext cx="689100" cy="688500"/>
+              </a:xfrm>
+              <a:prstGeom prst="pie">
+                <a:avLst>
+                  <a:gd name="adj1" fmla="val 5396744"/>
+                  <a:gd name="adj2" fmla="val 16200000"/>
+                </a:avLst>
+              </a:prstGeom>
+              <a:solidFill>
+                <a:srgbClr val="45818E"/>
+              </a:solidFill>
+              <a:ln>
+                <a:noFill/>
+              </a:ln>
+            </p:spPr>
+            <p:txBody>
+              <a:bodyPr spcFirstLastPara="1" wrap="square" lIns="121900" tIns="121900" rIns="121900" bIns="121900" anchor="ctr" anchorCtr="0">
+                <a:noAutofit/>
+              </a:bodyPr>
+              <a:lstStyle/>
+              <a:p>
+                <a:endParaRPr sz="2400"/>
+              </a:p>
+            </p:txBody>
+          </p:sp>
+        </p:grpSp>
+        <p:grpSp>
+          <p:nvGrpSpPr>
+            <p:cNvPr id="152" name="Google Shape;152;p16"/>
+            <p:cNvGrpSpPr/>
+            <p:nvPr/>
+          </p:nvGrpSpPr>
+          <p:grpSpPr>
+            <a:xfrm>
+              <a:off x="6424781" y="2725863"/>
+              <a:ext cx="600569" cy="600579"/>
+              <a:chOff x="4861200" y="959925"/>
+              <a:chExt cx="689200" cy="688500"/>
+            </a:xfrm>
+          </p:grpSpPr>
+          <p:sp>
+            <p:nvSpPr>
+              <p:cNvPr id="153" name="Google Shape;153;p16"/>
+              <p:cNvSpPr/>
+              <p:nvPr/>
+            </p:nvSpPr>
+            <p:spPr>
               <a:xfrm>
-                <a:off x="4273431" y="3042951"/>
-                <a:ext cx="600569" cy="600579"/>
-                <a:chOff x="4861200" y="959925"/>
-                <a:chExt cx="689200" cy="688500"/>
+                <a:off x="4861200" y="959925"/>
+                <a:ext cx="689100" cy="688500"/>
               </a:xfrm>
-            </p:grpSpPr>
-            <p:sp>
-              <p:nvSpPr>
-                <p:cNvPr id="147" name="Google Shape;147;p16"/>
-                <p:cNvSpPr/>
-                <p:nvPr/>
-              </p:nvSpPr>
-              <p:spPr>
-                <a:xfrm>
-                  <a:off x="4861200" y="959925"/>
-                  <a:ext cx="689100" cy="688500"/>
-                </a:xfrm>
-                <a:prstGeom prst="pie">
-                  <a:avLst>
-                    <a:gd name="adj1" fmla="val 5396744"/>
-                    <a:gd name="adj2" fmla="val 16200000"/>
-                  </a:avLst>
-                </a:prstGeom>
-                <a:solidFill>
-                  <a:srgbClr val="A2C4C9"/>
-                </a:solidFill>
-                <a:ln>
-                  <a:noFill/>
-                </a:ln>
-              </p:spPr>
-              <p:txBody>
-                <a:bodyPr spcFirstLastPara="1" wrap="square" lIns="121900" tIns="121900" rIns="121900" bIns="121900" anchor="ctr" anchorCtr="0">
-                  <a:noAutofit/>
-                </a:bodyPr>
-                <a:lstStyle/>
-                <a:p>
-                  <a:endParaRPr sz="2400"/>
-                </a:p>
-              </p:txBody>
-            </p:sp>
-            <p:sp>
-              <p:nvSpPr>
-                <p:cNvPr id="148" name="Google Shape;148;p16"/>
-                <p:cNvSpPr/>
-                <p:nvPr/>
-              </p:nvSpPr>
-              <p:spPr>
-                <a:xfrm rot="10800000">
-                  <a:off x="4861300" y="959925"/>
-                  <a:ext cx="689100" cy="688500"/>
-                </a:xfrm>
-                <a:prstGeom prst="pie">
-                  <a:avLst>
-                    <a:gd name="adj1" fmla="val 5396744"/>
-                    <a:gd name="adj2" fmla="val 16200000"/>
-                  </a:avLst>
-                </a:prstGeom>
-                <a:solidFill>
-                  <a:srgbClr val="45818E"/>
-                </a:solidFill>
-                <a:ln>
-                  <a:noFill/>
-                </a:ln>
-              </p:spPr>
-              <p:txBody>
-                <a:bodyPr spcFirstLastPara="1" wrap="square" lIns="121900" tIns="121900" rIns="121900" bIns="121900" anchor="ctr" anchorCtr="0">
-                  <a:noAutofit/>
-                </a:bodyPr>
-                <a:lstStyle/>
-                <a:p>
-                  <a:endParaRPr sz="2400"/>
-                </a:p>
-              </p:txBody>
-            </p:sp>
-          </p:grpSp>
-          <p:grpSp>
-            <p:nvGrpSpPr>
-              <p:cNvPr id="149" name="Google Shape;149;p16"/>
-              <p:cNvGrpSpPr/>
+              <a:prstGeom prst="pie">
+                <a:avLst>
+                  <a:gd name="adj1" fmla="val 5396744"/>
+                  <a:gd name="adj2" fmla="val 16200000"/>
+                </a:avLst>
+              </a:prstGeom>
+              <a:solidFill>
+                <a:srgbClr val="B6D7A8"/>
+              </a:solidFill>
+              <a:ln>
+                <a:noFill/>
+              </a:ln>
+            </p:spPr>
+            <p:txBody>
+              <a:bodyPr spcFirstLastPara="1" wrap="square" lIns="121900" tIns="121900" rIns="121900" bIns="121900" anchor="ctr" anchorCtr="0">
+                <a:noAutofit/>
+              </a:bodyPr>
+              <a:lstStyle/>
+              <a:p>
+                <a:endParaRPr sz="2400"/>
+              </a:p>
+            </p:txBody>
+          </p:sp>
+          <p:sp>
+            <p:nvSpPr>
+              <p:cNvPr id="154" name="Google Shape;154;p16"/>
+              <p:cNvSpPr/>
               <p:nvPr/>
-            </p:nvGrpSpPr>
-            <p:grpSpPr>
+            </p:nvSpPr>
+            <p:spPr>
+              <a:xfrm rot="10800000">
+                <a:off x="4861300" y="959925"/>
+                <a:ext cx="689100" cy="688500"/>
+              </a:xfrm>
+              <a:prstGeom prst="pie">
+                <a:avLst>
+                  <a:gd name="adj1" fmla="val 5396744"/>
+                  <a:gd name="adj2" fmla="val 16200000"/>
+                </a:avLst>
+              </a:prstGeom>
+              <a:solidFill>
+                <a:srgbClr val="6AA84F"/>
+              </a:solidFill>
+              <a:ln>
+                <a:noFill/>
+              </a:ln>
+            </p:spPr>
+            <p:txBody>
+              <a:bodyPr spcFirstLastPara="1" wrap="square" lIns="121900" tIns="121900" rIns="121900" bIns="121900" anchor="ctr" anchorCtr="0">
+                <a:noAutofit/>
+              </a:bodyPr>
+              <a:lstStyle/>
+              <a:p>
+                <a:endParaRPr sz="2400"/>
+              </a:p>
+            </p:txBody>
+          </p:sp>
+        </p:grpSp>
+        <p:cxnSp>
+          <p:nvCxnSpPr>
+            <p:cNvPr id="155" name="Google Shape;155;p16"/>
+            <p:cNvCxnSpPr>
+              <a:stCxn id="137" idx="6"/>
+              <a:endCxn id="141" idx="2"/>
+            </p:cNvCxnSpPr>
+            <p:nvPr/>
+          </p:nvCxnSpPr>
+          <p:spPr>
+            <a:xfrm rot="10800000" flipH="1">
+              <a:off x="2651450" y="1857044"/>
+              <a:ext cx="1622100" cy="450600"/>
+            </a:xfrm>
+            <a:prstGeom prst="straightConnector1">
+              <a:avLst/>
+            </a:prstGeom>
+            <a:noFill/>
+            <a:ln w="19050" cap="flat" cmpd="sng">
+              <a:solidFill>
+                <a:srgbClr val="CCCCCC"/>
+              </a:solidFill>
+              <a:prstDash val="solid"/>
+              <a:round/>
+              <a:headEnd type="none" w="med" len="med"/>
+              <a:tailEnd type="triangle" w="med" len="med"/>
+            </a:ln>
+          </p:spPr>
+        </p:cxnSp>
+        <p:cxnSp>
+          <p:nvCxnSpPr>
+            <p:cNvPr id="156" name="Google Shape;156;p16"/>
+            <p:cNvCxnSpPr>
+              <a:stCxn id="137" idx="6"/>
+              <a:endCxn id="144" idx="2"/>
+            </p:cNvCxnSpPr>
+            <p:nvPr/>
+          </p:nvCxnSpPr>
+          <p:spPr>
+            <a:xfrm>
+              <a:off x="2651450" y="2307644"/>
+              <a:ext cx="1622100" cy="292500"/>
+            </a:xfrm>
+            <a:prstGeom prst="straightConnector1">
+              <a:avLst/>
+            </a:prstGeom>
+            <a:noFill/>
+            <a:ln w="19050" cap="flat" cmpd="sng">
+              <a:solidFill>
+                <a:srgbClr val="CCCCCC"/>
+              </a:solidFill>
+              <a:prstDash val="solid"/>
+              <a:round/>
+              <a:headEnd type="none" w="med" len="med"/>
+              <a:tailEnd type="triangle" w="med" len="med"/>
+            </a:ln>
+          </p:spPr>
+        </p:cxnSp>
+        <p:cxnSp>
+          <p:nvCxnSpPr>
+            <p:cNvPr id="157" name="Google Shape;157;p16"/>
+            <p:cNvCxnSpPr>
+              <a:stCxn id="138" idx="6"/>
+              <a:endCxn id="141" idx="2"/>
+            </p:cNvCxnSpPr>
+            <p:nvPr/>
+          </p:nvCxnSpPr>
+          <p:spPr>
+            <a:xfrm rot="10800000" flipH="1">
+              <a:off x="2651450" y="1857044"/>
+              <a:ext cx="1622100" cy="1169100"/>
+            </a:xfrm>
+            <a:prstGeom prst="straightConnector1">
+              <a:avLst/>
+            </a:prstGeom>
+            <a:noFill/>
+            <a:ln w="19050" cap="flat" cmpd="sng">
+              <a:solidFill>
+                <a:srgbClr val="CCCCCC"/>
+              </a:solidFill>
+              <a:prstDash val="solid"/>
+              <a:round/>
+              <a:headEnd type="none" w="med" len="med"/>
+              <a:tailEnd type="triangle" w="med" len="med"/>
+            </a:ln>
+          </p:spPr>
+        </p:cxnSp>
+        <p:cxnSp>
+          <p:nvCxnSpPr>
+            <p:cNvPr id="158" name="Google Shape;158;p16"/>
+            <p:cNvCxnSpPr>
+              <a:stCxn id="137" idx="6"/>
+              <a:endCxn id="150" idx="2"/>
+            </p:cNvCxnSpPr>
+            <p:nvPr/>
+          </p:nvCxnSpPr>
+          <p:spPr>
+            <a:xfrm>
+              <a:off x="2651450" y="2307644"/>
+              <a:ext cx="1622100" cy="1778700"/>
+            </a:xfrm>
+            <a:prstGeom prst="straightConnector1">
+              <a:avLst/>
+            </a:prstGeom>
+            <a:noFill/>
+            <a:ln w="19050" cap="flat" cmpd="sng">
+              <a:solidFill>
+                <a:srgbClr val="CCCCCC"/>
+              </a:solidFill>
+              <a:prstDash val="solid"/>
+              <a:round/>
+              <a:headEnd type="none" w="med" len="med"/>
+              <a:tailEnd type="triangle" w="med" len="med"/>
+            </a:ln>
+          </p:spPr>
+        </p:cxnSp>
+        <p:cxnSp>
+          <p:nvCxnSpPr>
+            <p:cNvPr id="159" name="Google Shape;159;p16"/>
+            <p:cNvCxnSpPr>
+              <a:stCxn id="138" idx="6"/>
+              <a:endCxn id="144" idx="2"/>
+            </p:cNvCxnSpPr>
+            <p:nvPr/>
+          </p:nvCxnSpPr>
+          <p:spPr>
+            <a:xfrm rot="10800000" flipH="1">
+              <a:off x="2651450" y="2600144"/>
+              <a:ext cx="1622100" cy="426000"/>
+            </a:xfrm>
+            <a:prstGeom prst="straightConnector1">
+              <a:avLst/>
+            </a:prstGeom>
+            <a:noFill/>
+            <a:ln w="19050" cap="flat" cmpd="sng">
+              <a:solidFill>
+                <a:srgbClr val="CCCCCC"/>
+              </a:solidFill>
+              <a:prstDash val="solid"/>
+              <a:round/>
+              <a:headEnd type="none" w="med" len="med"/>
+              <a:tailEnd type="triangle" w="med" len="med"/>
+            </a:ln>
+          </p:spPr>
+        </p:cxnSp>
+        <p:cxnSp>
+          <p:nvCxnSpPr>
+            <p:cNvPr id="160" name="Google Shape;160;p16"/>
+            <p:cNvCxnSpPr>
+              <a:stCxn id="138" idx="6"/>
+              <a:endCxn id="150" idx="2"/>
+            </p:cNvCxnSpPr>
+            <p:nvPr/>
+          </p:nvCxnSpPr>
+          <p:spPr>
+            <a:xfrm>
+              <a:off x="2651450" y="3026144"/>
+              <a:ext cx="1622100" cy="1060200"/>
+            </a:xfrm>
+            <a:prstGeom prst="straightConnector1">
+              <a:avLst/>
+            </a:prstGeom>
+            <a:noFill/>
+            <a:ln w="19050" cap="flat" cmpd="sng">
+              <a:solidFill>
+                <a:srgbClr val="CCCCCC"/>
+              </a:solidFill>
+              <a:prstDash val="solid"/>
+              <a:round/>
+              <a:headEnd type="none" w="med" len="med"/>
+              <a:tailEnd type="triangle" w="med" len="med"/>
+            </a:ln>
+          </p:spPr>
+        </p:cxnSp>
+        <p:cxnSp>
+          <p:nvCxnSpPr>
+            <p:cNvPr id="161" name="Google Shape;161;p16"/>
+            <p:cNvCxnSpPr>
+              <a:stCxn id="139" idx="6"/>
+              <a:endCxn id="141" idx="2"/>
+            </p:cNvCxnSpPr>
+            <p:nvPr/>
+          </p:nvCxnSpPr>
+          <p:spPr>
+            <a:xfrm rot="10800000" flipH="1">
+              <a:off x="2651450" y="1857044"/>
+              <a:ext cx="1622100" cy="1887600"/>
+            </a:xfrm>
+            <a:prstGeom prst="straightConnector1">
+              <a:avLst/>
+            </a:prstGeom>
+            <a:noFill/>
+            <a:ln w="19050" cap="flat" cmpd="sng">
+              <a:solidFill>
+                <a:srgbClr val="CCCCCC"/>
+              </a:solidFill>
+              <a:prstDash val="solid"/>
+              <a:round/>
+              <a:headEnd type="none" w="med" len="med"/>
+              <a:tailEnd type="triangle" w="med" len="med"/>
+            </a:ln>
+          </p:spPr>
+        </p:cxnSp>
+        <p:cxnSp>
+          <p:nvCxnSpPr>
+            <p:cNvPr id="162" name="Google Shape;162;p16"/>
+            <p:cNvCxnSpPr>
+              <a:stCxn id="139" idx="6"/>
+              <a:endCxn id="144" idx="2"/>
+            </p:cNvCxnSpPr>
+            <p:nvPr/>
+          </p:nvCxnSpPr>
+          <p:spPr>
+            <a:xfrm rot="10800000" flipH="1">
+              <a:off x="2651450" y="2600144"/>
+              <a:ext cx="1622100" cy="1144500"/>
+            </a:xfrm>
+            <a:prstGeom prst="straightConnector1">
+              <a:avLst/>
+            </a:prstGeom>
+            <a:noFill/>
+            <a:ln w="19050" cap="flat" cmpd="sng">
+              <a:solidFill>
+                <a:srgbClr val="CCCCCC"/>
+              </a:solidFill>
+              <a:prstDash val="solid"/>
+              <a:round/>
+              <a:headEnd type="none" w="med" len="med"/>
+              <a:tailEnd type="triangle" w="med" len="med"/>
+            </a:ln>
+          </p:spPr>
+        </p:cxnSp>
+        <p:cxnSp>
+          <p:nvCxnSpPr>
+            <p:cNvPr id="163" name="Google Shape;163;p16"/>
+            <p:cNvCxnSpPr>
+              <a:stCxn id="139" idx="6"/>
+              <a:endCxn id="150" idx="2"/>
+            </p:cNvCxnSpPr>
+            <p:nvPr/>
+          </p:nvCxnSpPr>
+          <p:spPr>
+            <a:xfrm>
+              <a:off x="2651450" y="3744644"/>
+              <a:ext cx="1622100" cy="341700"/>
+            </a:xfrm>
+            <a:prstGeom prst="straightConnector1">
+              <a:avLst/>
+            </a:prstGeom>
+            <a:noFill/>
+            <a:ln w="19050" cap="flat" cmpd="sng">
+              <a:solidFill>
+                <a:srgbClr val="CCCCCC"/>
+              </a:solidFill>
+              <a:prstDash val="solid"/>
+              <a:round/>
+              <a:headEnd type="none" w="med" len="med"/>
+              <a:tailEnd type="triangle" w="med" len="med"/>
+            </a:ln>
+          </p:spPr>
+        </p:cxnSp>
+        <p:cxnSp>
+          <p:nvCxnSpPr>
+            <p:cNvPr id="164" name="Google Shape;164;p16"/>
+            <p:cNvCxnSpPr>
+              <a:stCxn id="139" idx="6"/>
+              <a:endCxn id="147" idx="2"/>
+            </p:cNvCxnSpPr>
+            <p:nvPr/>
+          </p:nvCxnSpPr>
+          <p:spPr>
+            <a:xfrm rot="10800000" flipH="1">
+              <a:off x="2651450" y="3343244"/>
+              <a:ext cx="1622100" cy="401400"/>
+            </a:xfrm>
+            <a:prstGeom prst="straightConnector1">
+              <a:avLst/>
+            </a:prstGeom>
+            <a:noFill/>
+            <a:ln w="19050" cap="flat" cmpd="sng">
+              <a:solidFill>
+                <a:srgbClr val="CCCCCC"/>
+              </a:solidFill>
+              <a:prstDash val="solid"/>
+              <a:round/>
+              <a:headEnd type="none" w="med" len="med"/>
+              <a:tailEnd type="triangle" w="med" len="med"/>
+            </a:ln>
+          </p:spPr>
+        </p:cxnSp>
+        <p:cxnSp>
+          <p:nvCxnSpPr>
+            <p:cNvPr id="165" name="Google Shape;165;p16"/>
+            <p:cNvCxnSpPr>
+              <a:stCxn id="138" idx="6"/>
+              <a:endCxn id="147" idx="2"/>
+            </p:cNvCxnSpPr>
+            <p:nvPr/>
+          </p:nvCxnSpPr>
+          <p:spPr>
+            <a:xfrm>
+              <a:off x="2651450" y="3026144"/>
+              <a:ext cx="1622100" cy="317100"/>
+            </a:xfrm>
+            <a:prstGeom prst="straightConnector1">
+              <a:avLst/>
+            </a:prstGeom>
+            <a:noFill/>
+            <a:ln w="19050" cap="flat" cmpd="sng">
+              <a:solidFill>
+                <a:srgbClr val="CCCCCC"/>
+              </a:solidFill>
+              <a:prstDash val="solid"/>
+              <a:round/>
+              <a:headEnd type="none" w="med" len="med"/>
+              <a:tailEnd type="triangle" w="med" len="med"/>
+            </a:ln>
+          </p:spPr>
+        </p:cxnSp>
+        <p:cxnSp>
+          <p:nvCxnSpPr>
+            <p:cNvPr id="166" name="Google Shape;166;p16"/>
+            <p:cNvCxnSpPr>
+              <a:stCxn id="137" idx="6"/>
+              <a:endCxn id="147" idx="2"/>
+            </p:cNvCxnSpPr>
+            <p:nvPr/>
+          </p:nvCxnSpPr>
+          <p:spPr>
+            <a:xfrm>
+              <a:off x="2651450" y="2307644"/>
+              <a:ext cx="1622100" cy="1035600"/>
+            </a:xfrm>
+            <a:prstGeom prst="straightConnector1">
+              <a:avLst/>
+            </a:prstGeom>
+            <a:noFill/>
+            <a:ln w="19050" cap="flat" cmpd="sng">
+              <a:solidFill>
+                <a:srgbClr val="CCCCCC"/>
+              </a:solidFill>
+              <a:prstDash val="solid"/>
+              <a:round/>
+              <a:headEnd type="none" w="med" len="med"/>
+              <a:tailEnd type="triangle" w="med" len="med"/>
+            </a:ln>
+          </p:spPr>
+        </p:cxnSp>
+        <p:cxnSp>
+          <p:nvCxnSpPr>
+            <p:cNvPr id="167" name="Google Shape;167;p16"/>
+            <p:cNvCxnSpPr>
+              <a:stCxn id="142" idx="2"/>
+              <a:endCxn id="153" idx="2"/>
+            </p:cNvCxnSpPr>
+            <p:nvPr/>
+          </p:nvCxnSpPr>
+          <p:spPr>
+            <a:xfrm>
+              <a:off x="4874000" y="1856990"/>
+              <a:ext cx="1550700" cy="1169100"/>
+            </a:xfrm>
+            <a:prstGeom prst="straightConnector1">
+              <a:avLst/>
+            </a:prstGeom>
+            <a:noFill/>
+            <a:ln w="19050" cap="flat" cmpd="sng">
+              <a:solidFill>
+                <a:srgbClr val="CCCCCC"/>
+              </a:solidFill>
+              <a:prstDash val="solid"/>
+              <a:round/>
+              <a:headEnd type="none" w="med" len="med"/>
+              <a:tailEnd type="triangle" w="med" len="med"/>
+            </a:ln>
+          </p:spPr>
+        </p:cxnSp>
+        <p:cxnSp>
+          <p:nvCxnSpPr>
+            <p:cNvPr id="168" name="Google Shape;168;p16"/>
+            <p:cNvCxnSpPr>
+              <a:stCxn id="145" idx="2"/>
+              <a:endCxn id="153" idx="2"/>
+            </p:cNvCxnSpPr>
+            <p:nvPr/>
+          </p:nvCxnSpPr>
+          <p:spPr>
+            <a:xfrm>
+              <a:off x="4874000" y="2600115"/>
+              <a:ext cx="1550700" cy="426000"/>
+            </a:xfrm>
+            <a:prstGeom prst="straightConnector1">
+              <a:avLst/>
+            </a:prstGeom>
+            <a:noFill/>
+            <a:ln w="19050" cap="flat" cmpd="sng">
+              <a:solidFill>
+                <a:srgbClr val="CCCCCC"/>
+              </a:solidFill>
+              <a:prstDash val="solid"/>
+              <a:round/>
+              <a:headEnd type="none" w="med" len="med"/>
+              <a:tailEnd type="triangle" w="med" len="med"/>
+            </a:ln>
+          </p:spPr>
+        </p:cxnSp>
+        <p:cxnSp>
+          <p:nvCxnSpPr>
+            <p:cNvPr id="169" name="Google Shape;169;p16"/>
+            <p:cNvCxnSpPr>
+              <a:stCxn id="148" idx="2"/>
+              <a:endCxn id="153" idx="2"/>
+            </p:cNvCxnSpPr>
+            <p:nvPr/>
+          </p:nvCxnSpPr>
+          <p:spPr>
+            <a:xfrm rot="10800000" flipH="1">
+              <a:off x="4874000" y="3026140"/>
+              <a:ext cx="1550700" cy="317100"/>
+            </a:xfrm>
+            <a:prstGeom prst="straightConnector1">
+              <a:avLst/>
+            </a:prstGeom>
+            <a:noFill/>
+            <a:ln w="19050" cap="flat" cmpd="sng">
+              <a:solidFill>
+                <a:srgbClr val="CCCCCC"/>
+              </a:solidFill>
+              <a:prstDash val="solid"/>
+              <a:round/>
+              <a:headEnd type="none" w="med" len="med"/>
+              <a:tailEnd type="triangle" w="med" len="med"/>
+            </a:ln>
+          </p:spPr>
+        </p:cxnSp>
+        <p:cxnSp>
+          <p:nvCxnSpPr>
+            <p:cNvPr id="170" name="Google Shape;170;p16"/>
+            <p:cNvCxnSpPr>
+              <a:stCxn id="151" idx="2"/>
+              <a:endCxn id="153" idx="2"/>
+            </p:cNvCxnSpPr>
+            <p:nvPr/>
+          </p:nvCxnSpPr>
+          <p:spPr>
+            <a:xfrm rot="10800000" flipH="1">
+              <a:off x="4874000" y="3026165"/>
+              <a:ext cx="1550700" cy="1060200"/>
+            </a:xfrm>
+            <a:prstGeom prst="straightConnector1">
+              <a:avLst/>
+            </a:prstGeom>
+            <a:noFill/>
+            <a:ln w="19050" cap="flat" cmpd="sng">
+              <a:solidFill>
+                <a:srgbClr val="CCCCCC"/>
+              </a:solidFill>
+              <a:prstDash val="solid"/>
+              <a:round/>
+              <a:headEnd type="none" w="med" len="med"/>
+              <a:tailEnd type="triangle" w="med" len="med"/>
+            </a:ln>
+          </p:spPr>
+        </p:cxnSp>
+        <p:grpSp>
+          <p:nvGrpSpPr>
+            <p:cNvPr id="40" name="Group 39">
+              <a:extLst>
+                <a:ext uri="{FF2B5EF4-FFF2-40B4-BE49-F238E27FC236}">
+                  <a16:creationId xmlns:a16="http://schemas.microsoft.com/office/drawing/2014/main" id="{B338D83F-9913-F040-B0FD-ADAB31734265}"/>
+                </a:ext>
+              </a:extLst>
+            </p:cNvPr>
+            <p:cNvGrpSpPr/>
+            <p:nvPr/>
+          </p:nvGrpSpPr>
+          <p:grpSpPr>
+            <a:xfrm>
+              <a:off x="4256706" y="1694381"/>
+              <a:ext cx="364029" cy="2479888"/>
+              <a:chOff x="4199934" y="1681127"/>
+              <a:chExt cx="364029" cy="2479888"/>
+            </a:xfrm>
+          </p:grpSpPr>
+          <p:sp>
+            <p:nvSpPr>
+              <p:cNvPr id="41" name="TextBox 40">
+                <a:extLst>
+                  <a:ext uri="{FF2B5EF4-FFF2-40B4-BE49-F238E27FC236}">
+                    <a16:creationId xmlns:a16="http://schemas.microsoft.com/office/drawing/2014/main" id="{474FB603-BD55-0D45-935D-BB6BAEEE7799}"/>
+                  </a:ext>
+                </a:extLst>
+              </p:cNvPr>
+              <p:cNvSpPr txBox="1"/>
+              <p:nvPr/>
+            </p:nvSpPr>
+            <p:spPr>
               <a:xfrm>
-                <a:off x="4273431" y="3786076"/>
-                <a:ext cx="600569" cy="600579"/>
-                <a:chOff x="4861200" y="959925"/>
-                <a:chExt cx="689200" cy="688500"/>
+                <a:off x="4199934" y="1681127"/>
+                <a:ext cx="347472" cy="223091"/>
               </a:xfrm>
-            </p:grpSpPr>
-            <p:sp>
-              <p:nvSpPr>
-                <p:cNvPr id="150" name="Google Shape;150;p16"/>
-                <p:cNvSpPr/>
-                <p:nvPr/>
-              </p:nvSpPr>
-              <p:spPr>
-                <a:xfrm>
-                  <a:off x="4861200" y="959925"/>
-                  <a:ext cx="689100" cy="688500"/>
-                </a:xfrm>
-                <a:prstGeom prst="pie">
-                  <a:avLst>
-                    <a:gd name="adj1" fmla="val 5396744"/>
-                    <a:gd name="adj2" fmla="val 16200000"/>
-                  </a:avLst>
-                </a:prstGeom>
-                <a:solidFill>
-                  <a:srgbClr val="A2C4C9"/>
-                </a:solidFill>
-                <a:ln>
-                  <a:noFill/>
-                </a:ln>
-              </p:spPr>
-              <p:txBody>
-                <a:bodyPr spcFirstLastPara="1" wrap="square" lIns="121900" tIns="121900" rIns="121900" bIns="121900" anchor="ctr" anchorCtr="0">
-                  <a:noAutofit/>
-                </a:bodyPr>
-                <a:lstStyle/>
-                <a:p>
-                  <a:endParaRPr sz="2400"/>
-                </a:p>
-              </p:txBody>
-            </p:sp>
-            <p:sp>
-              <p:nvSpPr>
-                <p:cNvPr id="151" name="Google Shape;151;p16"/>
-                <p:cNvSpPr/>
-                <p:nvPr/>
-              </p:nvSpPr>
-              <p:spPr>
-                <a:xfrm rot="10800000">
-                  <a:off x="4861300" y="959925"/>
-                  <a:ext cx="689100" cy="688500"/>
-                </a:xfrm>
-                <a:prstGeom prst="pie">
-                  <a:avLst>
-                    <a:gd name="adj1" fmla="val 5396744"/>
-                    <a:gd name="adj2" fmla="val 16200000"/>
-                  </a:avLst>
-                </a:prstGeom>
-                <a:solidFill>
-                  <a:srgbClr val="45818E"/>
-                </a:solidFill>
-                <a:ln>
-                  <a:noFill/>
-                </a:ln>
-              </p:spPr>
-              <p:txBody>
-                <a:bodyPr spcFirstLastPara="1" wrap="square" lIns="121900" tIns="121900" rIns="121900" bIns="121900" anchor="ctr" anchorCtr="0">
-                  <a:noAutofit/>
-                </a:bodyPr>
-                <a:lstStyle/>
-                <a:p>
-                  <a:endParaRPr sz="2400"/>
-                </a:p>
-              </p:txBody>
-            </p:sp>
-          </p:grpSp>
-          <p:grpSp>
-            <p:nvGrpSpPr>
-              <p:cNvPr id="152" name="Google Shape;152;p16"/>
-              <p:cNvGrpSpPr/>
-              <p:nvPr/>
-            </p:nvGrpSpPr>
-            <p:grpSpPr>
-              <a:xfrm>
-                <a:off x="6424781" y="2725863"/>
-                <a:ext cx="600569" cy="600579"/>
-                <a:chOff x="4861200" y="959925"/>
-                <a:chExt cx="689200" cy="688500"/>
-              </a:xfrm>
-            </p:grpSpPr>
-            <p:sp>
-              <p:nvSpPr>
-                <p:cNvPr id="153" name="Google Shape;153;p16"/>
-                <p:cNvSpPr/>
-                <p:nvPr/>
-              </p:nvSpPr>
-              <p:spPr>
-                <a:xfrm>
-                  <a:off x="4861200" y="959925"/>
-                  <a:ext cx="689100" cy="688500"/>
-                </a:xfrm>
-                <a:prstGeom prst="pie">
-                  <a:avLst>
-                    <a:gd name="adj1" fmla="val 5396744"/>
-                    <a:gd name="adj2" fmla="val 16200000"/>
-                  </a:avLst>
-                </a:prstGeom>
-                <a:solidFill>
-                  <a:srgbClr val="B6D7A8"/>
-                </a:solidFill>
-                <a:ln>
-                  <a:noFill/>
-                </a:ln>
-              </p:spPr>
-              <p:txBody>
-                <a:bodyPr spcFirstLastPara="1" wrap="square" lIns="121900" tIns="121900" rIns="121900" bIns="121900" anchor="ctr" anchorCtr="0">
-                  <a:noAutofit/>
-                </a:bodyPr>
-                <a:lstStyle/>
-                <a:p>
-                  <a:endParaRPr sz="2400"/>
-                </a:p>
-              </p:txBody>
-            </p:sp>
-            <p:sp>
-              <p:nvSpPr>
-                <p:cNvPr id="154" name="Google Shape;154;p16"/>
-                <p:cNvSpPr/>
-                <p:nvPr/>
-              </p:nvSpPr>
-              <p:spPr>
-                <a:xfrm rot="10800000">
-                  <a:off x="4861300" y="959925"/>
-                  <a:ext cx="689100" cy="688500"/>
-                </a:xfrm>
-                <a:prstGeom prst="pie">
-                  <a:avLst>
-                    <a:gd name="adj1" fmla="val 5396744"/>
-                    <a:gd name="adj2" fmla="val 16200000"/>
-                  </a:avLst>
-                </a:prstGeom>
-                <a:solidFill>
-                  <a:srgbClr val="6AA84F"/>
-                </a:solidFill>
-                <a:ln>
-                  <a:noFill/>
-                </a:ln>
-              </p:spPr>
-              <p:txBody>
-                <a:bodyPr spcFirstLastPara="1" wrap="square" lIns="121900" tIns="121900" rIns="121900" bIns="121900" anchor="ctr" anchorCtr="0">
-                  <a:noAutofit/>
-                </a:bodyPr>
-                <a:lstStyle/>
-                <a:p>
-                  <a:endParaRPr sz="2400"/>
-                </a:p>
-              </p:txBody>
-            </p:sp>
-          </p:grpSp>
-          <p:cxnSp>
-            <p:nvCxnSpPr>
-              <p:cNvPr id="155" name="Google Shape;155;p16"/>
-              <p:cNvCxnSpPr>
-                <a:stCxn id="137" idx="6"/>
-                <a:endCxn id="141" idx="2"/>
-              </p:cNvCxnSpPr>
-              <p:nvPr/>
-            </p:nvCxnSpPr>
-            <p:spPr>
-              <a:xfrm rot="10800000" flipH="1">
-                <a:off x="2651450" y="1857044"/>
-                <a:ext cx="1622100" cy="450600"/>
-              </a:xfrm>
-              <a:prstGeom prst="straightConnector1">
+              <a:prstGeom prst="rect">
                 <a:avLst/>
               </a:prstGeom>
               <a:noFill/>
-              <a:ln w="19050" cap="flat" cmpd="sng">
-                <a:solidFill>
-                  <a:srgbClr val="CCCCCC"/>
-                </a:solidFill>
-                <a:prstDash val="solid"/>
-                <a:round/>
-                <a:headEnd type="none" w="med" len="med"/>
-                <a:tailEnd type="triangle" w="med" len="med"/>
-              </a:ln>
             </p:spPr>
-          </p:cxnSp>
-          <p:cxnSp>
-            <p:nvCxnSpPr>
-              <p:cNvPr id="156" name="Google Shape;156;p16"/>
-              <p:cNvCxnSpPr>
-                <a:stCxn id="137" idx="6"/>
-                <a:endCxn id="144" idx="2"/>
-              </p:cNvCxnSpPr>
+            <p:txBody>
+              <a:bodyPr wrap="square" rtlCol="0">
+                <a:spAutoFit/>
+              </a:bodyPr>
+              <a:lstStyle/>
+              <a:p>
+                <a:pPr algn="ctr"/>
+                <a:r>
+                  <a:rPr lang="en-DE" sz="1333" b="1" dirty="0">
+                    <a:solidFill>
+                      <a:schemeClr val="bg2"/>
+                    </a:solidFill>
+                  </a:rPr>
+                  <a:t>-3</a:t>
+                </a:r>
+              </a:p>
+            </p:txBody>
+          </p:sp>
+          <p:sp>
+            <p:nvSpPr>
+              <p:cNvPr id="42" name="TextBox 41">
+                <a:extLst>
+                  <a:ext uri="{FF2B5EF4-FFF2-40B4-BE49-F238E27FC236}">
+                    <a16:creationId xmlns:a16="http://schemas.microsoft.com/office/drawing/2014/main" id="{2DA03080-9068-904B-A0B7-BF803B9B519E}"/>
+                  </a:ext>
+                </a:extLst>
+              </p:cNvPr>
+              <p:cNvSpPr txBox="1"/>
               <p:nvPr/>
-            </p:nvCxnSpPr>
+            </p:nvSpPr>
             <p:spPr>
               <a:xfrm>
-                <a:off x="2651450" y="2307644"/>
-                <a:ext cx="1622100" cy="292500"/>
+                <a:off x="4216491" y="2475485"/>
+                <a:ext cx="347472" cy="223091"/>
               </a:xfrm>
-              <a:prstGeom prst="straightConnector1">
+              <a:prstGeom prst="rect">
                 <a:avLst/>
               </a:prstGeom>
               <a:noFill/>
-              <a:ln w="19050" cap="flat" cmpd="sng">
-                <a:solidFill>
-                  <a:srgbClr val="CCCCCC"/>
-                </a:solidFill>
-                <a:prstDash val="solid"/>
-                <a:round/>
-                <a:headEnd type="none" w="med" len="med"/>
-                <a:tailEnd type="triangle" w="med" len="med"/>
-              </a:ln>
             </p:spPr>
-          </p:cxnSp>
-          <p:cxnSp>
-            <p:nvCxnSpPr>
-              <p:cNvPr id="157" name="Google Shape;157;p16"/>
-              <p:cNvCxnSpPr>
-                <a:stCxn id="138" idx="6"/>
-                <a:endCxn id="141" idx="2"/>
-              </p:cNvCxnSpPr>
+            <p:txBody>
+              <a:bodyPr wrap="square" rtlCol="0">
+                <a:spAutoFit/>
+              </a:bodyPr>
+              <a:lstStyle/>
+              <a:p>
+                <a:pPr algn="ctr"/>
+                <a:r>
+                  <a:rPr lang="en-DE" sz="1333" b="1" dirty="0">
+                    <a:solidFill>
+                      <a:schemeClr val="bg2"/>
+                    </a:solidFill>
+                  </a:rPr>
+                  <a:t>2</a:t>
+                </a:r>
+              </a:p>
+            </p:txBody>
+          </p:sp>
+          <p:sp>
+            <p:nvSpPr>
+              <p:cNvPr id="43" name="TextBox 42">
+                <a:extLst>
+                  <a:ext uri="{FF2B5EF4-FFF2-40B4-BE49-F238E27FC236}">
+                    <a16:creationId xmlns:a16="http://schemas.microsoft.com/office/drawing/2014/main" id="{C382DAC8-961A-BC47-BB88-BEA63905C785}"/>
+                  </a:ext>
+                </a:extLst>
+              </p:cNvPr>
+              <p:cNvSpPr txBox="1"/>
               <p:nvPr/>
-            </p:nvCxnSpPr>
+            </p:nvSpPr>
             <p:spPr>
-              <a:xfrm rot="10800000" flipH="1">
-                <a:off x="2651450" y="1857044"/>
-                <a:ext cx="1622100" cy="1169100"/>
+              <a:xfrm>
+                <a:off x="4216491" y="3218211"/>
+                <a:ext cx="347472" cy="223091"/>
               </a:xfrm>
-              <a:prstGeom prst="straightConnector1">
+              <a:prstGeom prst="rect">
                 <a:avLst/>
               </a:prstGeom>
               <a:noFill/>
-              <a:ln w="19050" cap="flat" cmpd="sng">
-                <a:solidFill>
-                  <a:srgbClr val="CCCCCC"/>
-                </a:solidFill>
-                <a:prstDash val="solid"/>
-                <a:round/>
-                <a:headEnd type="none" w="med" len="med"/>
-                <a:tailEnd type="triangle" w="med" len="med"/>
-              </a:ln>
             </p:spPr>
-          </p:cxnSp>
-          <p:cxnSp>
-            <p:nvCxnSpPr>
-              <p:cNvPr id="158" name="Google Shape;158;p16"/>
-              <p:cNvCxnSpPr>
-                <a:stCxn id="137" idx="6"/>
-                <a:endCxn id="150" idx="2"/>
-              </p:cNvCxnSpPr>
+            <p:txBody>
+              <a:bodyPr wrap="square" rtlCol="0">
+                <a:spAutoFit/>
+              </a:bodyPr>
+              <a:lstStyle/>
+              <a:p>
+                <a:pPr algn="ctr"/>
+                <a:r>
+                  <a:rPr lang="en-DE" sz="1333" b="1" dirty="0">
+                    <a:solidFill>
+                      <a:schemeClr val="bg2"/>
+                    </a:solidFill>
+                  </a:rPr>
+                  <a:t>0</a:t>
+                </a:r>
+              </a:p>
+            </p:txBody>
+          </p:sp>
+          <p:sp>
+            <p:nvSpPr>
+              <p:cNvPr id="44" name="TextBox 43">
+                <a:extLst>
+                  <a:ext uri="{FF2B5EF4-FFF2-40B4-BE49-F238E27FC236}">
+                    <a16:creationId xmlns:a16="http://schemas.microsoft.com/office/drawing/2014/main" id="{3C22EA60-9314-6543-AE50-F31CF47FE21C}"/>
+                  </a:ext>
+                </a:extLst>
+              </p:cNvPr>
+              <p:cNvSpPr txBox="1"/>
               <p:nvPr/>
-            </p:nvCxnSpPr>
+            </p:nvSpPr>
             <p:spPr>
               <a:xfrm>
-                <a:off x="2651450" y="2307644"/>
-                <a:ext cx="1622100" cy="1778700"/>
+                <a:off x="4216491" y="3937924"/>
+                <a:ext cx="347472" cy="223091"/>
               </a:xfrm>
-              <a:prstGeom prst="straightConnector1">
+              <a:prstGeom prst="rect">
                 <a:avLst/>
               </a:prstGeom>
               <a:noFill/>
-              <a:ln w="19050" cap="flat" cmpd="sng">
-                <a:solidFill>
-                  <a:srgbClr val="CCCCCC"/>
-                </a:solidFill>
-                <a:prstDash val="solid"/>
-                <a:round/>
-                <a:headEnd type="none" w="med" len="med"/>
-                <a:tailEnd type="triangle" w="med" len="med"/>
-              </a:ln>
             </p:spPr>
-          </p:cxnSp>
-          <p:cxnSp>
-            <p:nvCxnSpPr>
-              <p:cNvPr id="159" name="Google Shape;159;p16"/>
-              <p:cNvCxnSpPr>
-                <a:stCxn id="138" idx="6"/>
-                <a:endCxn id="144" idx="2"/>
-              </p:cNvCxnSpPr>
+            <p:txBody>
+              <a:bodyPr wrap="square" rtlCol="0">
+                <a:spAutoFit/>
+              </a:bodyPr>
+              <a:lstStyle/>
+              <a:p>
+                <a:pPr algn="ctr"/>
+                <a:r>
+                  <a:rPr lang="en-DE" sz="1333" b="1" dirty="0">
+                    <a:solidFill>
+                      <a:schemeClr val="bg2"/>
+                    </a:solidFill>
+                  </a:rPr>
+                  <a:t>7</a:t>
+                </a:r>
+              </a:p>
+            </p:txBody>
+          </p:sp>
+        </p:grpSp>
+        <p:grpSp>
+          <p:nvGrpSpPr>
+            <p:cNvPr id="3" name="Group 2">
+              <a:extLst>
+                <a:ext uri="{FF2B5EF4-FFF2-40B4-BE49-F238E27FC236}">
+                  <a16:creationId xmlns:a16="http://schemas.microsoft.com/office/drawing/2014/main" id="{22AD0DD7-BB53-654F-B193-0F3ABEBE7DDA}"/>
+                </a:ext>
+              </a:extLst>
+            </p:cNvPr>
+            <p:cNvGrpSpPr/>
+            <p:nvPr/>
+          </p:nvGrpSpPr>
+          <p:grpSpPr>
+            <a:xfrm>
+              <a:off x="4507993" y="1694382"/>
+              <a:ext cx="442118" cy="2478025"/>
+              <a:chOff x="4507993" y="1694382"/>
+              <a:chExt cx="442118" cy="2478025"/>
+            </a:xfrm>
+          </p:grpSpPr>
+          <p:sp>
+            <p:nvSpPr>
+              <p:cNvPr id="51" name="TextBox 50">
+                <a:extLst>
+                  <a:ext uri="{FF2B5EF4-FFF2-40B4-BE49-F238E27FC236}">
+                    <a16:creationId xmlns:a16="http://schemas.microsoft.com/office/drawing/2014/main" id="{30344DE9-5CDE-004C-9318-CE4533B5456A}"/>
+                  </a:ext>
+                </a:extLst>
+              </p:cNvPr>
+              <p:cNvSpPr txBox="1"/>
               <p:nvPr/>
-            </p:nvCxnSpPr>
+            </p:nvSpPr>
             <p:spPr>
-              <a:xfrm rot="10800000" flipH="1">
-                <a:off x="2651450" y="2600144"/>
-                <a:ext cx="1622100" cy="426000"/>
+              <a:xfrm>
+                <a:off x="4507993" y="1694382"/>
+                <a:ext cx="429767" cy="223091"/>
               </a:xfrm>
-              <a:prstGeom prst="straightConnector1">
+              <a:prstGeom prst="rect">
                 <a:avLst/>
               </a:prstGeom>
               <a:noFill/>
-              <a:ln w="19050" cap="flat" cmpd="sng">
-                <a:solidFill>
-                  <a:srgbClr val="CCCCCC"/>
-                </a:solidFill>
-                <a:prstDash val="solid"/>
-                <a:round/>
-                <a:headEnd type="none" w="med" len="med"/>
-                <a:tailEnd type="triangle" w="med" len="med"/>
-              </a:ln>
             </p:spPr>
-          </p:cxnSp>
-          <p:cxnSp>
-            <p:nvCxnSpPr>
-              <p:cNvPr id="160" name="Google Shape;160;p16"/>
-              <p:cNvCxnSpPr>
-                <a:stCxn id="138" idx="6"/>
-                <a:endCxn id="150" idx="2"/>
-              </p:cNvCxnSpPr>
+            <p:txBody>
+              <a:bodyPr wrap="square" rtlCol="0">
+                <a:spAutoFit/>
+              </a:bodyPr>
+              <a:lstStyle/>
+              <a:p>
+                <a:pPr algn="ctr"/>
+                <a:r>
+                  <a:rPr lang="en-DE" sz="1333" b="1" dirty="0"/>
+                  <a:t>0.05</a:t>
+                </a:r>
+              </a:p>
+            </p:txBody>
+          </p:sp>
+          <p:sp>
+            <p:nvSpPr>
+              <p:cNvPr id="53" name="TextBox 52">
+                <a:extLst>
+                  <a:ext uri="{FF2B5EF4-FFF2-40B4-BE49-F238E27FC236}">
+                    <a16:creationId xmlns:a16="http://schemas.microsoft.com/office/drawing/2014/main" id="{49CA1CBD-765B-574F-8761-37415C55658C}"/>
+                  </a:ext>
+                </a:extLst>
+              </p:cNvPr>
+              <p:cNvSpPr txBox="1"/>
               <p:nvPr/>
-            </p:nvCxnSpPr>
+            </p:nvSpPr>
             <p:spPr>
               <a:xfrm>
-                <a:off x="2651450" y="3026144"/>
-                <a:ext cx="1622100" cy="1060200"/>
+                <a:off x="4514652" y="3230194"/>
+                <a:ext cx="428769" cy="223091"/>
               </a:xfrm>
-              <a:prstGeom prst="straightConnector1">
+              <a:prstGeom prst="rect">
                 <a:avLst/>
               </a:prstGeom>
               <a:noFill/>
-              <a:ln w="19050" cap="flat" cmpd="sng">
-                <a:solidFill>
-                  <a:srgbClr val="CCCCCC"/>
-                </a:solidFill>
-                <a:prstDash val="solid"/>
-                <a:round/>
-                <a:headEnd type="none" w="med" len="med"/>
-                <a:tailEnd type="triangle" w="med" len="med"/>
-              </a:ln>
             </p:spPr>
-          </p:cxnSp>
-          <p:cxnSp>
-            <p:nvCxnSpPr>
-              <p:cNvPr id="161" name="Google Shape;161;p16"/>
-              <p:cNvCxnSpPr>
-                <a:stCxn id="139" idx="6"/>
-                <a:endCxn id="141" idx="2"/>
-              </p:cNvCxnSpPr>
+            <p:txBody>
+              <a:bodyPr wrap="square" rtlCol="0">
+                <a:spAutoFit/>
+              </a:bodyPr>
+              <a:lstStyle/>
+              <a:p>
+                <a:pPr algn="ctr"/>
+                <a:r>
+                  <a:rPr lang="en-DE" sz="1333" b="1" dirty="0"/>
+                  <a:t>0.50</a:t>
+                </a:r>
+              </a:p>
+            </p:txBody>
+          </p:sp>
+          <p:sp>
+            <p:nvSpPr>
+              <p:cNvPr id="55" name="TextBox 54">
+                <a:extLst>
+                  <a:ext uri="{FF2B5EF4-FFF2-40B4-BE49-F238E27FC236}">
+                    <a16:creationId xmlns:a16="http://schemas.microsoft.com/office/drawing/2014/main" id="{064148B2-9320-B546-8DC3-850A1D231B09}"/>
+                  </a:ext>
+                </a:extLst>
+              </p:cNvPr>
+              <p:cNvSpPr txBox="1"/>
               <p:nvPr/>
-            </p:nvCxnSpPr>
+            </p:nvSpPr>
             <p:spPr>
-              <a:xfrm rot="10800000" flipH="1">
-                <a:off x="2651450" y="1857044"/>
-                <a:ext cx="1622100" cy="1887600"/>
+              <a:xfrm>
+                <a:off x="4507993" y="2479101"/>
+                <a:ext cx="431990" cy="223091"/>
               </a:xfrm>
-              <a:prstGeom prst="straightConnector1">
+              <a:prstGeom prst="rect">
                 <a:avLst/>
               </a:prstGeom>
               <a:noFill/>
-              <a:ln w="19050" cap="flat" cmpd="sng">
-                <a:solidFill>
-                  <a:srgbClr val="CCCCCC"/>
-                </a:solidFill>
-                <a:prstDash val="solid"/>
-                <a:round/>
-                <a:headEnd type="none" w="med" len="med"/>
-                <a:tailEnd type="triangle" w="med" len="med"/>
-              </a:ln>
             </p:spPr>
-          </p:cxnSp>
-          <p:cxnSp>
-            <p:nvCxnSpPr>
-              <p:cNvPr id="162" name="Google Shape;162;p16"/>
-              <p:cNvCxnSpPr>
-                <a:stCxn id="139" idx="6"/>
-                <a:endCxn id="144" idx="2"/>
-              </p:cNvCxnSpPr>
+            <p:txBody>
+              <a:bodyPr wrap="square" rtlCol="0">
+                <a:spAutoFit/>
+              </a:bodyPr>
+              <a:lstStyle/>
+              <a:p>
+                <a:pPr algn="ctr"/>
+                <a:r>
+                  <a:rPr lang="en-DE" sz="1333" b="1" dirty="0"/>
+                  <a:t>0.88</a:t>
+                </a:r>
+              </a:p>
+            </p:txBody>
+          </p:sp>
+          <p:sp>
+            <p:nvSpPr>
+              <p:cNvPr id="56" name="TextBox 55">
+                <a:extLst>
+                  <a:ext uri="{FF2B5EF4-FFF2-40B4-BE49-F238E27FC236}">
+                    <a16:creationId xmlns:a16="http://schemas.microsoft.com/office/drawing/2014/main" id="{0D5CF9B7-5A39-234F-88F9-D35717FC540F}"/>
+                  </a:ext>
+                </a:extLst>
+              </p:cNvPr>
+              <p:cNvSpPr txBox="1"/>
               <p:nvPr/>
-            </p:nvCxnSpPr>
+            </p:nvSpPr>
             <p:spPr>
-              <a:xfrm rot="10800000" flipH="1">
-                <a:off x="2651450" y="2600144"/>
-                <a:ext cx="1622100" cy="1144500"/>
+              <a:xfrm>
+                <a:off x="4514652" y="3949316"/>
+                <a:ext cx="435459" cy="223091"/>
               </a:xfrm>
-              <a:prstGeom prst="straightConnector1">
+              <a:prstGeom prst="rect">
                 <a:avLst/>
               </a:prstGeom>
               <a:noFill/>
-              <a:ln w="19050" cap="flat" cmpd="sng">
-                <a:solidFill>
-                  <a:srgbClr val="CCCCCC"/>
-                </a:solidFill>
-                <a:prstDash val="solid"/>
-                <a:round/>
-                <a:headEnd type="none" w="med" len="med"/>
-                <a:tailEnd type="triangle" w="med" len="med"/>
-              </a:ln>
             </p:spPr>
-          </p:cxnSp>
-          <p:cxnSp>
-            <p:nvCxnSpPr>
-              <p:cNvPr id="163" name="Google Shape;163;p16"/>
-              <p:cNvCxnSpPr>
-                <a:stCxn id="139" idx="6"/>
-                <a:endCxn id="150" idx="2"/>
-              </p:cNvCxnSpPr>
+            <p:txBody>
+              <a:bodyPr wrap="square" rtlCol="0">
+                <a:spAutoFit/>
+              </a:bodyPr>
+              <a:lstStyle/>
+              <a:p>
+                <a:pPr algn="ctr"/>
+                <a:r>
+                  <a:rPr lang="en-DE" sz="1333" b="1" dirty="0"/>
+                  <a:t>0.99</a:t>
+                </a:r>
+              </a:p>
+            </p:txBody>
+          </p:sp>
+        </p:grpSp>
+        <p:grpSp>
+          <p:nvGrpSpPr>
+            <p:cNvPr id="49" name="Group 48">
+              <a:extLst>
+                <a:ext uri="{FF2B5EF4-FFF2-40B4-BE49-F238E27FC236}">
+                  <a16:creationId xmlns:a16="http://schemas.microsoft.com/office/drawing/2014/main" id="{AC32E072-6D87-B048-843D-13610C29E57F}"/>
+                </a:ext>
+              </a:extLst>
+            </p:cNvPr>
+            <p:cNvGrpSpPr/>
+            <p:nvPr/>
+          </p:nvGrpSpPr>
+          <p:grpSpPr>
+            <a:xfrm>
+              <a:off x="1920350" y="995560"/>
+              <a:ext cx="5303300" cy="381700"/>
+              <a:chOff x="1920350" y="756844"/>
+              <a:chExt cx="5303300" cy="381700"/>
+            </a:xfrm>
+          </p:grpSpPr>
+          <p:sp>
+            <p:nvSpPr>
+              <p:cNvPr id="50" name="Google Shape;171;p16">
+                <a:extLst>
+                  <a:ext uri="{FF2B5EF4-FFF2-40B4-BE49-F238E27FC236}">
+                    <a16:creationId xmlns:a16="http://schemas.microsoft.com/office/drawing/2014/main" id="{AC21EC74-8633-4F4F-8B91-A99E149D412E}"/>
+                  </a:ext>
+                </a:extLst>
+              </p:cNvPr>
+              <p:cNvSpPr txBox="1"/>
               <p:nvPr/>
-            </p:nvCxnSpPr>
+            </p:nvSpPr>
             <p:spPr>
               <a:xfrm>
-                <a:off x="2651450" y="3744644"/>
-                <a:ext cx="1622100" cy="341700"/>
+                <a:off x="1920350" y="781544"/>
+                <a:ext cx="861600" cy="357000"/>
               </a:xfrm>
-              <a:prstGeom prst="straightConnector1">
+              <a:prstGeom prst="rect">
                 <a:avLst/>
               </a:prstGeom>
               <a:noFill/>
-              <a:ln w="19050" cap="flat" cmpd="sng">
-                <a:solidFill>
-                  <a:srgbClr val="CCCCCC"/>
-                </a:solidFill>
-                <a:prstDash val="solid"/>
-                <a:round/>
-                <a:headEnd type="none" w="med" len="med"/>
-                <a:tailEnd type="triangle" w="med" len="med"/>
+              <a:ln>
+                <a:noFill/>
               </a:ln>
             </p:spPr>
-          </p:cxnSp>
-          <p:cxnSp>
-            <p:nvCxnSpPr>
-              <p:cNvPr id="164" name="Google Shape;164;p16"/>
-              <p:cNvCxnSpPr>
-                <a:stCxn id="139" idx="6"/>
-                <a:endCxn id="147" idx="2"/>
-              </p:cNvCxnSpPr>
+            <p:txBody>
+              <a:bodyPr spcFirstLastPara="1" wrap="square" lIns="121900" tIns="121900" rIns="121900" bIns="121900" anchor="t" anchorCtr="0">
+                <a:noAutofit/>
+              </a:bodyPr>
+              <a:lstStyle/>
+              <a:p>
+                <a:pPr algn="ctr"/>
+                <a:r>
+                  <a:rPr lang="en" sz="2267" b="1" dirty="0">
+                    <a:solidFill>
+                      <a:srgbClr val="ECCC24"/>
+                    </a:solidFill>
+                  </a:rPr>
+                  <a:t>Input</a:t>
+                </a:r>
+                <a:endParaRPr sz="2267" b="1" dirty="0">
+                  <a:solidFill>
+                    <a:srgbClr val="ECCC24"/>
+                  </a:solidFill>
+                </a:endParaRPr>
+              </a:p>
+            </p:txBody>
+          </p:sp>
+          <p:sp>
+            <p:nvSpPr>
+              <p:cNvPr id="52" name="Google Shape;172;p16">
+                <a:extLst>
+                  <a:ext uri="{FF2B5EF4-FFF2-40B4-BE49-F238E27FC236}">
+                    <a16:creationId xmlns:a16="http://schemas.microsoft.com/office/drawing/2014/main" id="{717528AC-AC1F-4B49-B650-8DFE411E910F}"/>
+                  </a:ext>
+                </a:extLst>
+              </p:cNvPr>
+              <p:cNvSpPr txBox="1"/>
               <p:nvPr/>
-            </p:nvCxnSpPr>
+            </p:nvSpPr>
             <p:spPr>
-              <a:xfrm rot="10800000" flipH="1">
-                <a:off x="2651450" y="3343244"/>
-                <a:ext cx="1622100" cy="401400"/>
+              <a:xfrm>
+                <a:off x="4075113" y="756844"/>
+                <a:ext cx="997200" cy="357000"/>
               </a:xfrm>
-              <a:prstGeom prst="straightConnector1">
+              <a:prstGeom prst="rect">
                 <a:avLst/>
               </a:prstGeom>
               <a:noFill/>
-              <a:ln w="19050" cap="flat" cmpd="sng">
-                <a:solidFill>
-                  <a:srgbClr val="CCCCCC"/>
-                </a:solidFill>
-                <a:prstDash val="solid"/>
-                <a:round/>
-                <a:headEnd type="none" w="med" len="med"/>
-                <a:tailEnd type="triangle" w="med" len="med"/>
+              <a:ln>
+                <a:noFill/>
               </a:ln>
             </p:spPr>
-          </p:cxnSp>
-          <p:cxnSp>
-            <p:nvCxnSpPr>
-              <p:cNvPr id="165" name="Google Shape;165;p16"/>
-              <p:cNvCxnSpPr>
-                <a:stCxn id="138" idx="6"/>
-                <a:endCxn id="147" idx="2"/>
-              </p:cNvCxnSpPr>
+            <p:txBody>
+              <a:bodyPr spcFirstLastPara="1" wrap="square" lIns="121900" tIns="121900" rIns="121900" bIns="121900" anchor="t" anchorCtr="0">
+                <a:noAutofit/>
+              </a:bodyPr>
+              <a:lstStyle/>
+              <a:p>
+                <a:pPr algn="ctr"/>
+                <a:r>
+                  <a:rPr lang="en" sz="2267" b="1" dirty="0">
+                    <a:solidFill>
+                      <a:srgbClr val="45818E"/>
+                    </a:solidFill>
+                  </a:rPr>
+                  <a:t>Hidden</a:t>
+                </a:r>
+                <a:endParaRPr sz="2267" b="1" dirty="0">
+                  <a:solidFill>
+                    <a:srgbClr val="45818E"/>
+                  </a:solidFill>
+                </a:endParaRPr>
+              </a:p>
+            </p:txBody>
+          </p:sp>
+          <p:sp>
+            <p:nvSpPr>
+              <p:cNvPr id="54" name="Google Shape;173;p16">
+                <a:extLst>
+                  <a:ext uri="{FF2B5EF4-FFF2-40B4-BE49-F238E27FC236}">
+                    <a16:creationId xmlns:a16="http://schemas.microsoft.com/office/drawing/2014/main" id="{8572DEB2-311F-3B4D-9E72-8AF1B8196539}"/>
+                  </a:ext>
+                </a:extLst>
+              </p:cNvPr>
+              <p:cNvSpPr txBox="1"/>
               <p:nvPr/>
-            </p:nvCxnSpPr>
+            </p:nvSpPr>
             <p:spPr>
               <a:xfrm>
-                <a:off x="2651450" y="3026144"/>
-                <a:ext cx="1622100" cy="317100"/>
+                <a:off x="6226450" y="781544"/>
+                <a:ext cx="997200" cy="357000"/>
               </a:xfrm>
-              <a:prstGeom prst="straightConnector1">
+              <a:prstGeom prst="rect">
                 <a:avLst/>
               </a:prstGeom>
               <a:noFill/>
-              <a:ln w="19050" cap="flat" cmpd="sng">
-                <a:solidFill>
-                  <a:srgbClr val="CCCCCC"/>
-                </a:solidFill>
-                <a:prstDash val="solid"/>
-                <a:round/>
-                <a:headEnd type="none" w="med" len="med"/>
-                <a:tailEnd type="triangle" w="med" len="med"/>
+              <a:ln>
+                <a:noFill/>
               </a:ln>
             </p:spPr>
-          </p:cxnSp>
-          <p:cxnSp>
-            <p:nvCxnSpPr>
-              <p:cNvPr id="166" name="Google Shape;166;p16"/>
-              <p:cNvCxnSpPr>
-                <a:stCxn id="137" idx="6"/>
-                <a:endCxn id="147" idx="2"/>
-              </p:cNvCxnSpPr>
-              <p:nvPr/>
-            </p:nvCxnSpPr>
-            <p:spPr>
-              <a:xfrm>
-                <a:off x="2651450" y="2307644"/>
-                <a:ext cx="1622100" cy="1035600"/>
-              </a:xfrm>
-              <a:prstGeom prst="straightConnector1">
-                <a:avLst/>
-              </a:prstGeom>
-              <a:noFill/>
-              <a:ln w="19050" cap="flat" cmpd="sng">
-                <a:solidFill>
-                  <a:srgbClr val="CCCCCC"/>
-                </a:solidFill>
-                <a:prstDash val="solid"/>
-                <a:round/>
-                <a:headEnd type="none" w="med" len="med"/>
-                <a:tailEnd type="triangle" w="med" len="med"/>
-              </a:ln>
-            </p:spPr>
-          </p:cxnSp>
-          <p:cxnSp>
-            <p:nvCxnSpPr>
-              <p:cNvPr id="167" name="Google Shape;167;p16"/>
-              <p:cNvCxnSpPr>
-                <a:stCxn id="142" idx="2"/>
-                <a:endCxn id="153" idx="2"/>
-              </p:cNvCxnSpPr>
-              <p:nvPr/>
-            </p:nvCxnSpPr>
-            <p:spPr>
-              <a:xfrm>
-                <a:off x="4874000" y="1856990"/>
-                <a:ext cx="1550700" cy="1169100"/>
-              </a:xfrm>
-              <a:prstGeom prst="straightConnector1">
-                <a:avLst/>
-              </a:prstGeom>
-              <a:noFill/>
-              <a:ln w="19050" cap="flat" cmpd="sng">
-                <a:solidFill>
-                  <a:srgbClr val="CCCCCC"/>
-                </a:solidFill>
-                <a:prstDash val="solid"/>
-                <a:round/>
-                <a:headEnd type="none" w="med" len="med"/>
-                <a:tailEnd type="triangle" w="med" len="med"/>
-              </a:ln>
-            </p:spPr>
-          </p:cxnSp>
-          <p:cxnSp>
-            <p:nvCxnSpPr>
-              <p:cNvPr id="168" name="Google Shape;168;p16"/>
-              <p:cNvCxnSpPr>
-                <a:stCxn id="145" idx="2"/>
-                <a:endCxn id="153" idx="2"/>
-              </p:cNvCxnSpPr>
-              <p:nvPr/>
-            </p:nvCxnSpPr>
-            <p:spPr>
-              <a:xfrm>
-                <a:off x="4874000" y="2600115"/>
-                <a:ext cx="1550700" cy="426000"/>
-              </a:xfrm>
-              <a:prstGeom prst="straightConnector1">
-                <a:avLst/>
-              </a:prstGeom>
-              <a:noFill/>
-              <a:ln w="19050" cap="flat" cmpd="sng">
-                <a:solidFill>
-                  <a:srgbClr val="CCCCCC"/>
-                </a:solidFill>
-                <a:prstDash val="solid"/>
-                <a:round/>
-                <a:headEnd type="none" w="med" len="med"/>
-                <a:tailEnd type="triangle" w="med" len="med"/>
-              </a:ln>
-            </p:spPr>
-          </p:cxnSp>
-          <p:cxnSp>
-            <p:nvCxnSpPr>
-              <p:cNvPr id="169" name="Google Shape;169;p16"/>
-              <p:cNvCxnSpPr>
-                <a:stCxn id="148" idx="2"/>
-                <a:endCxn id="153" idx="2"/>
-              </p:cNvCxnSpPr>
-              <p:nvPr/>
-            </p:nvCxnSpPr>
-            <p:spPr>
-              <a:xfrm rot="10800000" flipH="1">
-                <a:off x="4874000" y="3026140"/>
-                <a:ext cx="1550700" cy="317100"/>
-              </a:xfrm>
-              <a:prstGeom prst="straightConnector1">
-                <a:avLst/>
-              </a:prstGeom>
-              <a:noFill/>
-              <a:ln w="19050" cap="flat" cmpd="sng">
-                <a:solidFill>
-                  <a:srgbClr val="CCCCCC"/>
-                </a:solidFill>
-                <a:prstDash val="solid"/>
-                <a:round/>
-                <a:headEnd type="none" w="med" len="med"/>
-                <a:tailEnd type="triangle" w="med" len="med"/>
-              </a:ln>
-            </p:spPr>
-          </p:cxnSp>
-          <p:cxnSp>
-            <p:nvCxnSpPr>
-              <p:cNvPr id="170" name="Google Shape;170;p16"/>
-              <p:cNvCxnSpPr>
-                <a:stCxn id="151" idx="2"/>
-                <a:endCxn id="153" idx="2"/>
-              </p:cNvCxnSpPr>
-              <p:nvPr/>
-            </p:nvCxnSpPr>
-            <p:spPr>
-              <a:xfrm rot="10800000" flipH="1">
-                <a:off x="4874000" y="3026165"/>
-                <a:ext cx="1550700" cy="1060200"/>
-              </a:xfrm>
-              <a:prstGeom prst="straightConnector1">
-                <a:avLst/>
-              </a:prstGeom>
-              <a:noFill/>
-              <a:ln w="19050" cap="flat" cmpd="sng">
-                <a:solidFill>
-                  <a:srgbClr val="CCCCCC"/>
-                </a:solidFill>
-                <a:prstDash val="solid"/>
-                <a:round/>
-                <a:headEnd type="none" w="med" len="med"/>
-                <a:tailEnd type="triangle" w="med" len="med"/>
-              </a:ln>
-            </p:spPr>
-          </p:cxnSp>
-          <p:grpSp>
-            <p:nvGrpSpPr>
-              <p:cNvPr id="40" name="Group 39">
-                <a:extLst>
-                  <a:ext uri="{FF2B5EF4-FFF2-40B4-BE49-F238E27FC236}">
-                    <a16:creationId xmlns:a16="http://schemas.microsoft.com/office/drawing/2014/main" id="{B338D83F-9913-F040-B0FD-ADAB31734265}"/>
-                  </a:ext>
-                </a:extLst>
-              </p:cNvPr>
-              <p:cNvGrpSpPr/>
-              <p:nvPr/>
-            </p:nvGrpSpPr>
-            <p:grpSpPr>
-              <a:xfrm>
-                <a:off x="4256706" y="1694381"/>
-                <a:ext cx="364029" cy="2479888"/>
-                <a:chOff x="4199934" y="1681127"/>
-                <a:chExt cx="364029" cy="2479888"/>
-              </a:xfrm>
-            </p:grpSpPr>
-            <p:sp>
-              <p:nvSpPr>
-                <p:cNvPr id="41" name="TextBox 40">
-                  <a:extLst>
-                    <a:ext uri="{FF2B5EF4-FFF2-40B4-BE49-F238E27FC236}">
-                      <a16:creationId xmlns:a16="http://schemas.microsoft.com/office/drawing/2014/main" id="{474FB603-BD55-0D45-935D-BB6BAEEE7799}"/>
-                    </a:ext>
-                  </a:extLst>
-                </p:cNvPr>
-                <p:cNvSpPr txBox="1"/>
-                <p:nvPr/>
-              </p:nvSpPr>
-              <p:spPr>
-                <a:xfrm>
-                  <a:off x="4199934" y="1681127"/>
-                  <a:ext cx="347472" cy="223091"/>
-                </a:xfrm>
-                <a:prstGeom prst="rect">
-                  <a:avLst/>
-                </a:prstGeom>
-                <a:noFill/>
-              </p:spPr>
-              <p:txBody>
-                <a:bodyPr wrap="square" rtlCol="0">
-                  <a:spAutoFit/>
-                </a:bodyPr>
-                <a:lstStyle/>
-                <a:p>
-                  <a:pPr algn="ctr"/>
-                  <a:r>
-                    <a:rPr lang="en-DE" sz="1333" b="1" dirty="0">
-                      <a:solidFill>
-                        <a:schemeClr val="bg2"/>
-                      </a:solidFill>
-                    </a:rPr>
-                    <a:t>-3</a:t>
-                  </a:r>
-                </a:p>
-              </p:txBody>
-            </p:sp>
-            <p:sp>
-              <p:nvSpPr>
-                <p:cNvPr id="42" name="TextBox 41">
-                  <a:extLst>
-                    <a:ext uri="{FF2B5EF4-FFF2-40B4-BE49-F238E27FC236}">
-                      <a16:creationId xmlns:a16="http://schemas.microsoft.com/office/drawing/2014/main" id="{2DA03080-9068-904B-A0B7-BF803B9B519E}"/>
-                    </a:ext>
-                  </a:extLst>
-                </p:cNvPr>
-                <p:cNvSpPr txBox="1"/>
-                <p:nvPr/>
-              </p:nvSpPr>
-              <p:spPr>
-                <a:xfrm>
-                  <a:off x="4216491" y="2475485"/>
-                  <a:ext cx="347472" cy="223091"/>
-                </a:xfrm>
-                <a:prstGeom prst="rect">
-                  <a:avLst/>
-                </a:prstGeom>
-                <a:noFill/>
-              </p:spPr>
-              <p:txBody>
-                <a:bodyPr wrap="square" rtlCol="0">
-                  <a:spAutoFit/>
-                </a:bodyPr>
-                <a:lstStyle/>
-                <a:p>
-                  <a:pPr algn="ctr"/>
-                  <a:r>
-                    <a:rPr lang="en-DE" sz="1333" b="1" dirty="0">
-                      <a:solidFill>
-                        <a:schemeClr val="bg2"/>
-                      </a:solidFill>
-                    </a:rPr>
-                    <a:t>2</a:t>
-                  </a:r>
-                </a:p>
-              </p:txBody>
-            </p:sp>
-            <p:sp>
-              <p:nvSpPr>
-                <p:cNvPr id="43" name="TextBox 42">
-                  <a:extLst>
-                    <a:ext uri="{FF2B5EF4-FFF2-40B4-BE49-F238E27FC236}">
-                      <a16:creationId xmlns:a16="http://schemas.microsoft.com/office/drawing/2014/main" id="{C382DAC8-961A-BC47-BB88-BEA63905C785}"/>
-                    </a:ext>
-                  </a:extLst>
-                </p:cNvPr>
-                <p:cNvSpPr txBox="1"/>
-                <p:nvPr/>
-              </p:nvSpPr>
-              <p:spPr>
-                <a:xfrm>
-                  <a:off x="4216491" y="3218211"/>
-                  <a:ext cx="347472" cy="223091"/>
-                </a:xfrm>
-                <a:prstGeom prst="rect">
-                  <a:avLst/>
-                </a:prstGeom>
-                <a:noFill/>
-              </p:spPr>
-              <p:txBody>
-                <a:bodyPr wrap="square" rtlCol="0">
-                  <a:spAutoFit/>
-                </a:bodyPr>
-                <a:lstStyle/>
-                <a:p>
-                  <a:pPr algn="ctr"/>
-                  <a:r>
-                    <a:rPr lang="en-DE" sz="1333" b="1" dirty="0">
-                      <a:solidFill>
-                        <a:schemeClr val="bg2"/>
-                      </a:solidFill>
-                    </a:rPr>
-                    <a:t>0</a:t>
-                  </a:r>
-                </a:p>
-              </p:txBody>
-            </p:sp>
-            <p:sp>
-              <p:nvSpPr>
-                <p:cNvPr id="44" name="TextBox 43">
-                  <a:extLst>
-                    <a:ext uri="{FF2B5EF4-FFF2-40B4-BE49-F238E27FC236}">
-                      <a16:creationId xmlns:a16="http://schemas.microsoft.com/office/drawing/2014/main" id="{3C22EA60-9314-6543-AE50-F31CF47FE21C}"/>
-                    </a:ext>
-                  </a:extLst>
-                </p:cNvPr>
-                <p:cNvSpPr txBox="1"/>
-                <p:nvPr/>
-              </p:nvSpPr>
-              <p:spPr>
-                <a:xfrm>
-                  <a:off x="4216491" y="3937924"/>
-                  <a:ext cx="347472" cy="223091"/>
-                </a:xfrm>
-                <a:prstGeom prst="rect">
-                  <a:avLst/>
-                </a:prstGeom>
-                <a:noFill/>
-              </p:spPr>
-              <p:txBody>
-                <a:bodyPr wrap="square" rtlCol="0">
-                  <a:spAutoFit/>
-                </a:bodyPr>
-                <a:lstStyle/>
-                <a:p>
-                  <a:pPr algn="ctr"/>
-                  <a:r>
-                    <a:rPr lang="en-DE" sz="1333" b="1" dirty="0">
-                      <a:solidFill>
-                        <a:schemeClr val="bg2"/>
-                      </a:solidFill>
-                    </a:rPr>
-                    <a:t>7</a:t>
-                  </a:r>
-                </a:p>
-              </p:txBody>
-            </p:sp>
-          </p:grpSp>
-          <p:grpSp>
-            <p:nvGrpSpPr>
-              <p:cNvPr id="3" name="Group 2">
-                <a:extLst>
-                  <a:ext uri="{FF2B5EF4-FFF2-40B4-BE49-F238E27FC236}">
-                    <a16:creationId xmlns:a16="http://schemas.microsoft.com/office/drawing/2014/main" id="{22AD0DD7-BB53-654F-B193-0F3ABEBE7DDA}"/>
-                  </a:ext>
-                </a:extLst>
-              </p:cNvPr>
-              <p:cNvGrpSpPr/>
-              <p:nvPr/>
-            </p:nvGrpSpPr>
-            <p:grpSpPr>
-              <a:xfrm>
-                <a:off x="4507993" y="1694382"/>
-                <a:ext cx="442118" cy="2478025"/>
-                <a:chOff x="4507993" y="1694382"/>
-                <a:chExt cx="442118" cy="2478025"/>
-              </a:xfrm>
-            </p:grpSpPr>
-            <p:sp>
-              <p:nvSpPr>
-                <p:cNvPr id="51" name="TextBox 50">
-                  <a:extLst>
-                    <a:ext uri="{FF2B5EF4-FFF2-40B4-BE49-F238E27FC236}">
-                      <a16:creationId xmlns:a16="http://schemas.microsoft.com/office/drawing/2014/main" id="{30344DE9-5CDE-004C-9318-CE4533B5456A}"/>
-                    </a:ext>
-                  </a:extLst>
-                </p:cNvPr>
-                <p:cNvSpPr txBox="1"/>
-                <p:nvPr/>
-              </p:nvSpPr>
-              <p:spPr>
-                <a:xfrm>
-                  <a:off x="4507993" y="1694382"/>
-                  <a:ext cx="429767" cy="223091"/>
-                </a:xfrm>
-                <a:prstGeom prst="rect">
-                  <a:avLst/>
-                </a:prstGeom>
-                <a:noFill/>
-              </p:spPr>
-              <p:txBody>
-                <a:bodyPr wrap="square" rtlCol="0">
-                  <a:spAutoFit/>
-                </a:bodyPr>
-                <a:lstStyle/>
-                <a:p>
-                  <a:pPr algn="ctr"/>
-                  <a:r>
-                    <a:rPr lang="en-DE" sz="1333" b="1" dirty="0"/>
-                    <a:t>0.05</a:t>
-                  </a:r>
-                </a:p>
-              </p:txBody>
-            </p:sp>
-            <p:sp>
-              <p:nvSpPr>
-                <p:cNvPr id="53" name="TextBox 52">
-                  <a:extLst>
-                    <a:ext uri="{FF2B5EF4-FFF2-40B4-BE49-F238E27FC236}">
-                      <a16:creationId xmlns:a16="http://schemas.microsoft.com/office/drawing/2014/main" id="{49CA1CBD-765B-574F-8761-37415C55658C}"/>
-                    </a:ext>
-                  </a:extLst>
-                </p:cNvPr>
-                <p:cNvSpPr txBox="1"/>
-                <p:nvPr/>
-              </p:nvSpPr>
-              <p:spPr>
-                <a:xfrm>
-                  <a:off x="4514652" y="3230194"/>
-                  <a:ext cx="428769" cy="223091"/>
-                </a:xfrm>
-                <a:prstGeom prst="rect">
-                  <a:avLst/>
-                </a:prstGeom>
-                <a:noFill/>
-              </p:spPr>
-              <p:txBody>
-                <a:bodyPr wrap="square" rtlCol="0">
-                  <a:spAutoFit/>
-                </a:bodyPr>
-                <a:lstStyle/>
-                <a:p>
-                  <a:pPr algn="ctr"/>
-                  <a:r>
-                    <a:rPr lang="en-DE" sz="1333" b="1" dirty="0"/>
-                    <a:t>0.50</a:t>
-                  </a:r>
-                </a:p>
-              </p:txBody>
-            </p:sp>
-            <p:sp>
-              <p:nvSpPr>
-                <p:cNvPr id="55" name="TextBox 54">
-                  <a:extLst>
-                    <a:ext uri="{FF2B5EF4-FFF2-40B4-BE49-F238E27FC236}">
-                      <a16:creationId xmlns:a16="http://schemas.microsoft.com/office/drawing/2014/main" id="{064148B2-9320-B546-8DC3-850A1D231B09}"/>
-                    </a:ext>
-                  </a:extLst>
-                </p:cNvPr>
-                <p:cNvSpPr txBox="1"/>
-                <p:nvPr/>
-              </p:nvSpPr>
-              <p:spPr>
-                <a:xfrm>
-                  <a:off x="4507993" y="2479101"/>
-                  <a:ext cx="431990" cy="223091"/>
-                </a:xfrm>
-                <a:prstGeom prst="rect">
-                  <a:avLst/>
-                </a:prstGeom>
-                <a:noFill/>
-              </p:spPr>
-              <p:txBody>
-                <a:bodyPr wrap="square" rtlCol="0">
-                  <a:spAutoFit/>
-                </a:bodyPr>
-                <a:lstStyle/>
-                <a:p>
-                  <a:pPr algn="ctr"/>
-                  <a:r>
-                    <a:rPr lang="en-DE" sz="1333" b="1" dirty="0"/>
-                    <a:t>0.88</a:t>
-                  </a:r>
-                </a:p>
-              </p:txBody>
-            </p:sp>
-            <p:sp>
-              <p:nvSpPr>
-                <p:cNvPr id="56" name="TextBox 55">
-                  <a:extLst>
-                    <a:ext uri="{FF2B5EF4-FFF2-40B4-BE49-F238E27FC236}">
-                      <a16:creationId xmlns:a16="http://schemas.microsoft.com/office/drawing/2014/main" id="{0D5CF9B7-5A39-234F-88F9-D35717FC540F}"/>
-                    </a:ext>
-                  </a:extLst>
-                </p:cNvPr>
-                <p:cNvSpPr txBox="1"/>
-                <p:nvPr/>
-              </p:nvSpPr>
-              <p:spPr>
-                <a:xfrm>
-                  <a:off x="4514652" y="3949316"/>
-                  <a:ext cx="435459" cy="223091"/>
-                </a:xfrm>
-                <a:prstGeom prst="rect">
-                  <a:avLst/>
-                </a:prstGeom>
-                <a:noFill/>
-              </p:spPr>
-              <p:txBody>
-                <a:bodyPr wrap="square" rtlCol="0">
-                  <a:spAutoFit/>
-                </a:bodyPr>
-                <a:lstStyle/>
-                <a:p>
-                  <a:pPr algn="ctr"/>
-                  <a:r>
-                    <a:rPr lang="en-DE" sz="1333" b="1" dirty="0"/>
-                    <a:t>0.99</a:t>
-                  </a:r>
-                </a:p>
-              </p:txBody>
-            </p:sp>
-          </p:grpSp>
-          <p:grpSp>
-            <p:nvGrpSpPr>
-              <p:cNvPr id="49" name="Group 48">
-                <a:extLst>
-                  <a:ext uri="{FF2B5EF4-FFF2-40B4-BE49-F238E27FC236}">
-                    <a16:creationId xmlns:a16="http://schemas.microsoft.com/office/drawing/2014/main" id="{AC32E072-6D87-B048-843D-13610C29E57F}"/>
-                  </a:ext>
-                </a:extLst>
-              </p:cNvPr>
-              <p:cNvGrpSpPr/>
-              <p:nvPr/>
-            </p:nvGrpSpPr>
-            <p:grpSpPr>
-              <a:xfrm>
-                <a:off x="1920350" y="995560"/>
-                <a:ext cx="5303300" cy="381700"/>
-                <a:chOff x="1920350" y="756844"/>
-                <a:chExt cx="5303300" cy="381700"/>
-              </a:xfrm>
-            </p:grpSpPr>
-            <p:sp>
-              <p:nvSpPr>
-                <p:cNvPr id="50" name="Google Shape;171;p16">
-                  <a:extLst>
-                    <a:ext uri="{FF2B5EF4-FFF2-40B4-BE49-F238E27FC236}">
-                      <a16:creationId xmlns:a16="http://schemas.microsoft.com/office/drawing/2014/main" id="{AC21EC74-8633-4F4F-8B91-A99E149D412E}"/>
-                    </a:ext>
-                  </a:extLst>
-                </p:cNvPr>
-                <p:cNvSpPr txBox="1"/>
-                <p:nvPr/>
-              </p:nvSpPr>
-              <p:spPr>
-                <a:xfrm>
-                  <a:off x="1920350" y="781544"/>
-                  <a:ext cx="861600" cy="357000"/>
-                </a:xfrm>
-                <a:prstGeom prst="rect">
-                  <a:avLst/>
-                </a:prstGeom>
-                <a:noFill/>
-                <a:ln>
-                  <a:noFill/>
-                </a:ln>
-              </p:spPr>
-              <p:txBody>
-                <a:bodyPr spcFirstLastPara="1" wrap="square" lIns="121900" tIns="121900" rIns="121900" bIns="121900" anchor="t" anchorCtr="0">
-                  <a:noAutofit/>
-                </a:bodyPr>
-                <a:lstStyle/>
-                <a:p>
-                  <a:pPr algn="ctr"/>
-                  <a:r>
-                    <a:rPr lang="en" sz="2267" b="1" dirty="0">
-                      <a:solidFill>
-                        <a:srgbClr val="ECCC24"/>
-                      </a:solidFill>
-                    </a:rPr>
-                    <a:t>Input</a:t>
-                  </a:r>
-                  <a:endParaRPr sz="2267" b="1" dirty="0">
-                    <a:solidFill>
-                      <a:srgbClr val="ECCC24"/>
-                    </a:solidFill>
-                  </a:endParaRPr>
-                </a:p>
-              </p:txBody>
-            </p:sp>
-            <p:sp>
-              <p:nvSpPr>
-                <p:cNvPr id="52" name="Google Shape;172;p16">
-                  <a:extLst>
-                    <a:ext uri="{FF2B5EF4-FFF2-40B4-BE49-F238E27FC236}">
-                      <a16:creationId xmlns:a16="http://schemas.microsoft.com/office/drawing/2014/main" id="{717528AC-AC1F-4B49-B650-8DFE411E910F}"/>
-                    </a:ext>
-                  </a:extLst>
-                </p:cNvPr>
-                <p:cNvSpPr txBox="1"/>
-                <p:nvPr/>
-              </p:nvSpPr>
-              <p:spPr>
-                <a:xfrm>
-                  <a:off x="4075113" y="756844"/>
-                  <a:ext cx="997200" cy="357000"/>
-                </a:xfrm>
-                <a:prstGeom prst="rect">
-                  <a:avLst/>
-                </a:prstGeom>
-                <a:noFill/>
-                <a:ln>
-                  <a:noFill/>
-                </a:ln>
-              </p:spPr>
-              <p:txBody>
-                <a:bodyPr spcFirstLastPara="1" wrap="square" lIns="121900" tIns="121900" rIns="121900" bIns="121900" anchor="t" anchorCtr="0">
-                  <a:noAutofit/>
-                </a:bodyPr>
-                <a:lstStyle/>
-                <a:p>
-                  <a:pPr algn="ctr"/>
-                  <a:r>
-                    <a:rPr lang="en" sz="2267" b="1" dirty="0">
-                      <a:solidFill>
-                        <a:srgbClr val="45818E"/>
-                      </a:solidFill>
-                    </a:rPr>
-                    <a:t>Hidden</a:t>
-                  </a:r>
-                  <a:endParaRPr sz="2267" b="1" dirty="0">
-                    <a:solidFill>
-                      <a:srgbClr val="45818E"/>
-                    </a:solidFill>
-                  </a:endParaRPr>
-                </a:p>
-              </p:txBody>
-            </p:sp>
-            <p:sp>
-              <p:nvSpPr>
-                <p:cNvPr id="54" name="Google Shape;173;p16">
-                  <a:extLst>
-                    <a:ext uri="{FF2B5EF4-FFF2-40B4-BE49-F238E27FC236}">
-                      <a16:creationId xmlns:a16="http://schemas.microsoft.com/office/drawing/2014/main" id="{8572DEB2-311F-3B4D-9E72-8AF1B8196539}"/>
-                    </a:ext>
-                  </a:extLst>
-                </p:cNvPr>
-                <p:cNvSpPr txBox="1"/>
-                <p:nvPr/>
-              </p:nvSpPr>
-              <p:spPr>
-                <a:xfrm>
-                  <a:off x="6226450" y="781544"/>
-                  <a:ext cx="997200" cy="357000"/>
-                </a:xfrm>
-                <a:prstGeom prst="rect">
-                  <a:avLst/>
-                </a:prstGeom>
-                <a:noFill/>
-                <a:ln>
-                  <a:noFill/>
-                </a:ln>
-              </p:spPr>
-              <p:txBody>
-                <a:bodyPr spcFirstLastPara="1" wrap="square" lIns="121900" tIns="121900" rIns="121900" bIns="121900" anchor="t" anchorCtr="0">
-                  <a:noAutofit/>
-                </a:bodyPr>
-                <a:lstStyle/>
-                <a:p>
-                  <a:pPr algn="ctr"/>
-                  <a:r>
-                    <a:rPr lang="en" sz="2267" b="1">
-                      <a:solidFill>
-                        <a:srgbClr val="6AA84F"/>
-                      </a:solidFill>
-                    </a:rPr>
-                    <a:t>Output</a:t>
-                  </a:r>
-                  <a:endParaRPr sz="2267" b="1">
+            <p:txBody>
+              <a:bodyPr spcFirstLastPara="1" wrap="square" lIns="121900" tIns="121900" rIns="121900" bIns="121900" anchor="t" anchorCtr="0">
+                <a:noAutofit/>
+              </a:bodyPr>
+              <a:lstStyle/>
+              <a:p>
+                <a:pPr algn="ctr"/>
+                <a:r>
+                  <a:rPr lang="en" sz="2267" b="1">
                     <a:solidFill>
                       <a:srgbClr val="6AA84F"/>
                     </a:solidFill>
-                  </a:endParaRPr>
-                </a:p>
-              </p:txBody>
-            </p:sp>
-          </p:grpSp>
+                  </a:rPr>
+                  <a:t>Output</a:t>
+                </a:r>
+                <a:endParaRPr sz="2267" b="1">
+                  <a:solidFill>
+                    <a:srgbClr val="6AA84F"/>
+                  </a:solidFill>
+                </a:endParaRPr>
+              </a:p>
+            </p:txBody>
+          </p:sp>
         </p:grpSp>
-        <mc:AlternateContent xmlns:mc="http://schemas.openxmlformats.org/markup-compatibility/2006">
-          <mc:Choice xmlns:a14="http://schemas.microsoft.com/office/drawing/2010/main" Requires="a14">
-            <p:sp>
-              <p:nvSpPr>
-                <p:cNvPr id="59" name="TextBox 58">
-                  <a:extLst>
-                    <a:ext uri="{FF2B5EF4-FFF2-40B4-BE49-F238E27FC236}">
-                      <a16:creationId xmlns:a16="http://schemas.microsoft.com/office/drawing/2014/main" id="{BBE46636-73E1-F944-986B-36D3DAD21777}"/>
-                    </a:ext>
-                  </a:extLst>
-                </p:cNvPr>
-                <p:cNvSpPr txBox="1"/>
-                <p:nvPr/>
-              </p:nvSpPr>
-              <p:spPr>
-                <a:xfrm>
-                  <a:off x="3251882" y="3994443"/>
-                  <a:ext cx="2342420" cy="556691"/>
-                </a:xfrm>
-                <a:prstGeom prst="rect">
-                  <a:avLst/>
-                </a:prstGeom>
-                <a:noFill/>
-              </p:spPr>
-              <p:txBody>
-                <a:bodyPr wrap="none" lIns="0" tIns="0" rIns="0" bIns="0" rtlCol="0">
-                  <a:spAutoFit/>
-                </a:bodyPr>
-                <a:lstStyle/>
-                <a:p>
-                  <a:pPr/>
-                  <a14:m>
-                    <m:oMathPara xmlns:m="http://schemas.openxmlformats.org/officeDocument/2006/math">
-                      <m:oMathParaPr>
-                        <m:jc m:val="centerGroup"/>
-                      </m:oMathParaPr>
-                      <m:oMath xmlns:m="http://schemas.openxmlformats.org/officeDocument/2006/math">
-                        <m:sSubSup>
-                          <m:sSubSupPr>
-                            <m:ctrlPr>
-                              <a:rPr lang="en-US" sz="2133" b="1" i="1">
-                                <a:latin typeface="Cambria Math" panose="02040503050406030204" pitchFamily="18" charset="0"/>
-                              </a:rPr>
-                            </m:ctrlPr>
-                          </m:sSubSupPr>
-                          <m:e>
-                            <m:r>
-                              <a:rPr lang="en-US" sz="2133" b="1">
-                                <a:latin typeface="Cambria Math" panose="02040503050406030204" pitchFamily="18" charset="0"/>
-                              </a:rPr>
-                              <m:t>𝐳</m:t>
-                            </m:r>
-                          </m:e>
-                          <m:sub>
-                            <m:r>
-                              <a:rPr lang="en-US" sz="2133" b="1">
-                                <a:latin typeface="Cambria Math" panose="02040503050406030204" pitchFamily="18" charset="0"/>
-                              </a:rPr>
-                              <m:t>𝐨𝐮𝐭</m:t>
-                            </m:r>
-                          </m:sub>
-                          <m:sup>
-                            <m:r>
-                              <a:rPr lang="en-US" sz="2133" b="1">
-                                <a:latin typeface="Cambria Math" panose="02040503050406030204" pitchFamily="18" charset="0"/>
-                              </a:rPr>
-                              <m:t>(</m:t>
-                            </m:r>
-                            <m:r>
-                              <a:rPr lang="en-US" sz="2133" b="1">
-                                <a:latin typeface="Cambria Math" panose="02040503050406030204" pitchFamily="18" charset="0"/>
-                              </a:rPr>
-                              <m:t>𝐢</m:t>
-                            </m:r>
-                            <m:r>
-                              <a:rPr lang="en-US" sz="2133" b="1">
-                                <a:latin typeface="Cambria Math" panose="02040503050406030204" pitchFamily="18" charset="0"/>
-                              </a:rPr>
-                              <m:t>)</m:t>
-                            </m:r>
-                          </m:sup>
-                        </m:sSubSup>
-                        <m:r>
-                          <a:rPr lang="en-US" sz="2133" b="1">
-                            <a:latin typeface="Cambria Math" panose="02040503050406030204" pitchFamily="18" charset="0"/>
-                          </a:rPr>
-                          <m:t>=</m:t>
-                        </m:r>
-                        <m:r>
-                          <a:rPr lang="en-US" sz="2133" b="1">
-                            <a:latin typeface="Cambria Math" panose="02040503050406030204" pitchFamily="18" charset="0"/>
-                            <a:ea typeface="Cambria Math" panose="02040503050406030204" pitchFamily="18" charset="0"/>
-                          </a:rPr>
-                          <m:t>𝛔</m:t>
-                        </m:r>
-                        <m:d>
-                          <m:dPr>
-                            <m:ctrlPr>
-                              <a:rPr lang="en-US" sz="2133" b="1" i="1">
-                                <a:latin typeface="Cambria Math" panose="02040503050406030204" pitchFamily="18" charset="0"/>
-                                <a:ea typeface="Cambria Math" panose="02040503050406030204" pitchFamily="18" charset="0"/>
-                              </a:rPr>
-                            </m:ctrlPr>
-                          </m:dPr>
-                          <m:e>
-                            <m:sSubSup>
-                              <m:sSubSupPr>
-                                <m:ctrlPr>
-                                  <a:rPr lang="en-US" sz="2133" b="1" i="1">
-                                    <a:latin typeface="Cambria Math" panose="02040503050406030204" pitchFamily="18" charset="0"/>
-                                  </a:rPr>
-                                </m:ctrlPr>
-                              </m:sSubSupPr>
-                              <m:e>
-                                <m:r>
-                                  <a:rPr lang="en-US" sz="2133" b="1">
-                                    <a:latin typeface="Cambria Math" panose="02040503050406030204" pitchFamily="18" charset="0"/>
-                                  </a:rPr>
-                                  <m:t>𝐳</m:t>
-                                </m:r>
-                              </m:e>
-                              <m:sub>
-                                <m:r>
-                                  <a:rPr lang="en-US" sz="2133" b="1">
-                                    <a:latin typeface="Cambria Math" panose="02040503050406030204" pitchFamily="18" charset="0"/>
-                                  </a:rPr>
-                                  <m:t>𝐢𝐧</m:t>
-                                </m:r>
-                              </m:sub>
-                              <m:sup>
-                                <m:r>
-                                  <a:rPr lang="en-US" sz="2133" b="1">
-                                    <a:latin typeface="Cambria Math" panose="02040503050406030204" pitchFamily="18" charset="0"/>
-                                  </a:rPr>
-                                  <m:t>(</m:t>
-                                </m:r>
-                                <m:r>
-                                  <a:rPr lang="en-US" sz="2133" b="1">
-                                    <a:latin typeface="Cambria Math" panose="02040503050406030204" pitchFamily="18" charset="0"/>
-                                  </a:rPr>
-                                  <m:t>𝐢</m:t>
-                                </m:r>
-                                <m:r>
-                                  <a:rPr lang="en-US" sz="2133" b="1">
-                                    <a:latin typeface="Cambria Math" panose="02040503050406030204" pitchFamily="18" charset="0"/>
-                                  </a:rPr>
-                                  <m:t>)</m:t>
-                                </m:r>
-                              </m:sup>
-                            </m:sSubSup>
-                          </m:e>
-                        </m:d>
-                        <m:r>
-                          <a:rPr lang="en-US" sz="2133" b="1">
-                            <a:latin typeface="Cambria Math" panose="02040503050406030204" pitchFamily="18" charset="0"/>
-                          </a:rPr>
-                          <m:t>=</m:t>
-                        </m:r>
-                        <m:f>
-                          <m:fPr>
-                            <m:ctrlPr>
-                              <a:rPr lang="en-US" sz="2133" b="1" i="1">
-                                <a:latin typeface="Cambria Math" panose="02040503050406030204" pitchFamily="18" charset="0"/>
-                              </a:rPr>
-                            </m:ctrlPr>
-                          </m:fPr>
-                          <m:num>
-                            <m:r>
-                              <a:rPr lang="en-US" sz="2133" b="1">
-                                <a:latin typeface="Cambria Math" panose="02040503050406030204" pitchFamily="18" charset="0"/>
-                              </a:rPr>
-                              <m:t>𝟏</m:t>
-                            </m:r>
-                          </m:num>
-                          <m:den>
-                            <m:r>
-                              <a:rPr lang="en-US" sz="2133" b="1">
-                                <a:latin typeface="Cambria Math" panose="02040503050406030204" pitchFamily="18" charset="0"/>
-                              </a:rPr>
-                              <m:t>𝟏</m:t>
-                            </m:r>
-                            <m:r>
-                              <a:rPr lang="en-US" sz="2133" b="1">
-                                <a:latin typeface="Cambria Math" panose="02040503050406030204" pitchFamily="18" charset="0"/>
-                              </a:rPr>
-                              <m:t>+</m:t>
-                            </m:r>
-                            <m:sSup>
-                              <m:sSupPr>
-                                <m:ctrlPr>
-                                  <a:rPr lang="en-US" sz="2133" b="1" i="1">
-                                    <a:latin typeface="Cambria Math" panose="02040503050406030204" pitchFamily="18" charset="0"/>
-                                  </a:rPr>
-                                </m:ctrlPr>
-                              </m:sSupPr>
-                              <m:e>
-                                <m:r>
-                                  <a:rPr lang="en-US" sz="2133" b="1">
-                                    <a:latin typeface="Cambria Math" panose="02040503050406030204" pitchFamily="18" charset="0"/>
-                                  </a:rPr>
-                                  <m:t>𝐞</m:t>
-                                </m:r>
-                              </m:e>
-                              <m:sup>
-                                <m:sSubSup>
-                                  <m:sSubSupPr>
-                                    <m:ctrlPr>
-                                      <a:rPr lang="en-US" sz="2133" b="1" i="1">
-                                        <a:latin typeface="Cambria Math" panose="02040503050406030204" pitchFamily="18" charset="0"/>
-                                      </a:rPr>
-                                    </m:ctrlPr>
-                                  </m:sSubSupPr>
-                                  <m:e>
-                                    <m:r>
-                                      <a:rPr lang="en-US" sz="2133" b="1">
-                                        <a:latin typeface="Cambria Math" panose="02040503050406030204" pitchFamily="18" charset="0"/>
-                                      </a:rPr>
-                                      <m:t>𝐳</m:t>
-                                    </m:r>
-                                  </m:e>
-                                  <m:sub>
-                                    <m:r>
-                                      <a:rPr lang="en-US" sz="2133" b="1">
-                                        <a:latin typeface="Cambria Math" panose="02040503050406030204" pitchFamily="18" charset="0"/>
-                                      </a:rPr>
-                                      <m:t>𝐢𝐧</m:t>
-                                    </m:r>
-                                  </m:sub>
-                                  <m:sup>
-                                    <m:r>
-                                      <a:rPr lang="en-US" sz="2133" b="1">
-                                        <a:latin typeface="Cambria Math" panose="02040503050406030204" pitchFamily="18" charset="0"/>
-                                      </a:rPr>
-                                      <m:t>(</m:t>
-                                    </m:r>
-                                    <m:r>
-                                      <a:rPr lang="en-US" sz="2133" b="1">
-                                        <a:latin typeface="Cambria Math" panose="02040503050406030204" pitchFamily="18" charset="0"/>
-                                      </a:rPr>
-                                      <m:t>𝐢</m:t>
-                                    </m:r>
-                                    <m:r>
-                                      <a:rPr lang="en-US" sz="2133" b="1">
-                                        <a:latin typeface="Cambria Math" panose="02040503050406030204" pitchFamily="18" charset="0"/>
-                                      </a:rPr>
-                                      <m:t>)</m:t>
-                                    </m:r>
-                                  </m:sup>
-                                </m:sSubSup>
-                              </m:sup>
-                            </m:sSup>
-                          </m:den>
-                        </m:f>
-                        <m:r>
-                          <a:rPr lang="en-US" sz="2133" b="1">
-                            <a:latin typeface="Cambria Math" panose="02040503050406030204" pitchFamily="18" charset="0"/>
-                          </a:rPr>
-                          <m:t> </m:t>
-                        </m:r>
-                      </m:oMath>
-                    </m:oMathPara>
-                  </a14:m>
-                  <a:endParaRPr lang="en-DE" sz="2133" b="1" dirty="0"/>
-                </a:p>
-              </p:txBody>
-            </p:sp>
-          </mc:Choice>
-          <mc:Fallback>
-            <p:sp>
-              <p:nvSpPr>
-                <p:cNvPr id="59" name="TextBox 58">
-                  <a:extLst>
-                    <a:ext uri="{FF2B5EF4-FFF2-40B4-BE49-F238E27FC236}">
-                      <a16:creationId xmlns:a16="http://schemas.microsoft.com/office/drawing/2014/main" id="{BBE46636-73E1-F944-986B-36D3DAD21777}"/>
-                    </a:ext>
-                  </a:extLst>
-                </p:cNvPr>
-                <p:cNvSpPr txBox="1">
-                  <a:spLocks noRot="1" noChangeAspect="1" noMove="1" noResize="1" noEditPoints="1" noAdjustHandles="1" noChangeArrowheads="1" noChangeShapeType="1" noTextEdit="1"/>
-                </p:cNvSpPr>
-                <p:nvPr/>
-              </p:nvSpPr>
-              <p:spPr>
-                <a:xfrm>
-                  <a:off x="3251882" y="3994443"/>
-                  <a:ext cx="2342420" cy="556691"/>
-                </a:xfrm>
-                <a:prstGeom prst="rect">
-                  <a:avLst/>
-                </a:prstGeom>
-                <a:blipFill>
-                  <a:blip r:embed="rId3"/>
-                  <a:stretch>
-                    <a:fillRect l="-810" r="-2834" b="-11864"/>
-                  </a:stretch>
-                </a:blipFill>
-              </p:spPr>
-              <p:txBody>
-                <a:bodyPr/>
-                <a:lstStyle/>
-                <a:p>
-                  <a:r>
-                    <a:rPr lang="en-DE">
-                      <a:noFill/>
-                    </a:rPr>
-                    <a:t> </a:t>
-                  </a:r>
-                </a:p>
-              </p:txBody>
-            </p:sp>
-          </mc:Fallback>
-        </mc:AlternateContent>
       </p:grpSp>
     </p:spTree>
     <p:extLst>
